--- a/99_pranning/操作説明書.pptx
+++ b/99_pranning/操作説明書.pptx
@@ -6,6 +6,7 @@
   </p:sldMasterIdLst>
   <p:sldIdLst>
     <p:sldId id="256" r:id="rId2"/>
+    <p:sldId id="257" r:id="rId3"/>
   </p:sldIdLst>
   <p:sldSz cx="9906000" cy="6858000" type="A4"/>
   <p:notesSz cx="6858000" cy="9144000"/>
@@ -104,6 +105,11 @@
       </a:defRPr>
     </a:lvl9pPr>
   </p:defaultTextStyle>
+  <p:extLst>
+    <p:ext uri="{EFAFB233-063F-42B5-8137-9DF3F51BA10A}">
+      <p15:sldGuideLst xmlns:p15="http://schemas.microsoft.com/office/powerpoint/2012/main"/>
+    </p:ext>
+  </p:extLst>
 </p:presentation>
 </file>
 
@@ -238,7 +244,7 @@
           <a:p>
             <a:fld id="{1C50CC2C-565E-4CEC-8E2B-7BC9045D7333}" type="datetimeFigureOut">
               <a:rPr kumimoji="1" lang="ja-JP" altLang="en-US" smtClean="0"/>
-              <a:t>2025/1/20</a:t>
+              <a:t>2025/1/21</a:t>
             </a:fld>
             <a:endParaRPr kumimoji="1" lang="ja-JP" altLang="en-US"/>
           </a:p>
@@ -440,7 +446,7 @@
           <a:p>
             <a:fld id="{1C50CC2C-565E-4CEC-8E2B-7BC9045D7333}" type="datetimeFigureOut">
               <a:rPr kumimoji="1" lang="ja-JP" altLang="en-US" smtClean="0"/>
-              <a:t>2025/1/20</a:t>
+              <a:t>2025/1/21</a:t>
             </a:fld>
             <a:endParaRPr kumimoji="1" lang="ja-JP" altLang="en-US"/>
           </a:p>
@@ -652,7 +658,7 @@
           <a:p>
             <a:fld id="{1C50CC2C-565E-4CEC-8E2B-7BC9045D7333}" type="datetimeFigureOut">
               <a:rPr kumimoji="1" lang="ja-JP" altLang="en-US" smtClean="0"/>
-              <a:t>2025/1/20</a:t>
+              <a:t>2025/1/21</a:t>
             </a:fld>
             <a:endParaRPr kumimoji="1" lang="ja-JP" altLang="en-US"/>
           </a:p>
@@ -854,7 +860,7 @@
           <a:p>
             <a:fld id="{1C50CC2C-565E-4CEC-8E2B-7BC9045D7333}" type="datetimeFigureOut">
               <a:rPr kumimoji="1" lang="ja-JP" altLang="en-US" smtClean="0"/>
-              <a:t>2025/1/20</a:t>
+              <a:t>2025/1/21</a:t>
             </a:fld>
             <a:endParaRPr kumimoji="1" lang="ja-JP" altLang="en-US"/>
           </a:p>
@@ -1100,7 +1106,7 @@
           <a:p>
             <a:fld id="{1C50CC2C-565E-4CEC-8E2B-7BC9045D7333}" type="datetimeFigureOut">
               <a:rPr kumimoji="1" lang="ja-JP" altLang="en-US" smtClean="0"/>
-              <a:t>2025/1/20</a:t>
+              <a:t>2025/1/21</a:t>
             </a:fld>
             <a:endParaRPr kumimoji="1" lang="ja-JP" altLang="en-US"/>
           </a:p>
@@ -1396,7 +1402,7 @@
           <a:p>
             <a:fld id="{1C50CC2C-565E-4CEC-8E2B-7BC9045D7333}" type="datetimeFigureOut">
               <a:rPr kumimoji="1" lang="ja-JP" altLang="en-US" smtClean="0"/>
-              <a:t>2025/1/20</a:t>
+              <a:t>2025/1/21</a:t>
             </a:fld>
             <a:endParaRPr kumimoji="1" lang="ja-JP" altLang="en-US"/>
           </a:p>
@@ -1827,7 +1833,7 @@
           <a:p>
             <a:fld id="{1C50CC2C-565E-4CEC-8E2B-7BC9045D7333}" type="datetimeFigureOut">
               <a:rPr kumimoji="1" lang="ja-JP" altLang="en-US" smtClean="0"/>
-              <a:t>2025/1/20</a:t>
+              <a:t>2025/1/21</a:t>
             </a:fld>
             <a:endParaRPr kumimoji="1" lang="ja-JP" altLang="en-US"/>
           </a:p>
@@ -1945,7 +1951,7 @@
           <a:p>
             <a:fld id="{1C50CC2C-565E-4CEC-8E2B-7BC9045D7333}" type="datetimeFigureOut">
               <a:rPr kumimoji="1" lang="ja-JP" altLang="en-US" smtClean="0"/>
-              <a:t>2025/1/20</a:t>
+              <a:t>2025/1/21</a:t>
             </a:fld>
             <a:endParaRPr kumimoji="1" lang="ja-JP" altLang="en-US"/>
           </a:p>
@@ -2040,7 +2046,7 @@
           <a:p>
             <a:fld id="{1C50CC2C-565E-4CEC-8E2B-7BC9045D7333}" type="datetimeFigureOut">
               <a:rPr kumimoji="1" lang="ja-JP" altLang="en-US" smtClean="0"/>
-              <a:t>2025/1/20</a:t>
+              <a:t>2025/1/21</a:t>
             </a:fld>
             <a:endParaRPr kumimoji="1" lang="ja-JP" altLang="en-US"/>
           </a:p>
@@ -2349,7 +2355,7 @@
           <a:p>
             <a:fld id="{1C50CC2C-565E-4CEC-8E2B-7BC9045D7333}" type="datetimeFigureOut">
               <a:rPr kumimoji="1" lang="ja-JP" altLang="en-US" smtClean="0"/>
-              <a:t>2025/1/20</a:t>
+              <a:t>2025/1/21</a:t>
             </a:fld>
             <a:endParaRPr kumimoji="1" lang="ja-JP" altLang="en-US"/>
           </a:p>
@@ -2606,7 +2612,7 @@
           <a:p>
             <a:fld id="{1C50CC2C-565E-4CEC-8E2B-7BC9045D7333}" type="datetimeFigureOut">
               <a:rPr kumimoji="1" lang="ja-JP" altLang="en-US" smtClean="0"/>
-              <a:t>2025/1/20</a:t>
+              <a:t>2025/1/21</a:t>
             </a:fld>
             <a:endParaRPr kumimoji="1" lang="ja-JP" altLang="en-US"/>
           </a:p>
@@ -2851,7 +2857,7 @@
           <a:p>
             <a:fld id="{1C50CC2C-565E-4CEC-8E2B-7BC9045D7333}" type="datetimeFigureOut">
               <a:rPr kumimoji="1" lang="ja-JP" altLang="en-US" smtClean="0"/>
-              <a:t>2025/1/20</a:t>
+              <a:t>2025/1/21</a:t>
             </a:fld>
             <a:endParaRPr kumimoji="1" lang="ja-JP" altLang="en-US"/>
           </a:p>
@@ -3379,7 +3385,7 @@
           </a:fontRef>
         </p:style>
         <p:txBody>
-          <a:bodyPr rtlCol="0" anchor="ctr"/>
+          <a:bodyPr rtlCol="0" anchor="ctr" anchorCtr="1"/>
           <a:lstStyle/>
           <a:p>
             <a:pPr algn="ctr"/>
@@ -3460,7 +3466,7 @@
           <a:lstStyle/>
           <a:p>
             <a:pPr algn="ctr"/>
-            <a:endParaRPr kumimoji="1" lang="ja-JP" altLang="en-US"/>
+            <a:endParaRPr kumimoji="1" lang="ja-JP" altLang="en-US" dirty="0"/>
           </a:p>
         </p:txBody>
       </p:sp>
@@ -3897,10 +3903,847 @@
           </a:p>
         </p:txBody>
       </p:sp>
+      <p:pic>
+        <p:nvPicPr>
+          <p:cNvPr id="3" name="図 2" descr="アイコン&#10;&#10;自動的に生成された説明">
+            <a:extLst>
+              <a:ext uri="{FF2B5EF4-FFF2-40B4-BE49-F238E27FC236}">
+                <a16:creationId xmlns:a16="http://schemas.microsoft.com/office/drawing/2014/main" id="{83B35A2E-827D-DDB5-8B60-430D257D1D65}"/>
+              </a:ext>
+            </a:extLst>
+          </p:cNvPr>
+          <p:cNvPicPr>
+            <a:picLocks noChangeAspect="1"/>
+          </p:cNvPicPr>
+          <p:nvPr/>
+        </p:nvPicPr>
+        <p:blipFill>
+          <a:blip r:embed="rId4">
+            <a:extLst>
+              <a:ext uri="{28A0092B-C50C-407E-A947-70E740481C1C}">
+                <a14:useLocalDpi xmlns:a14="http://schemas.microsoft.com/office/drawing/2010/main" val="0"/>
+              </a:ext>
+            </a:extLst>
+          </a:blip>
+          <a:stretch>
+            <a:fillRect/>
+          </a:stretch>
+        </p:blipFill>
+        <p:spPr>
+          <a:xfrm>
+            <a:off x="169926" y="4663250"/>
+            <a:ext cx="721041" cy="721041"/>
+          </a:xfrm>
+          <a:prstGeom prst="rect">
+            <a:avLst/>
+          </a:prstGeom>
+          <a:effectLst>
+            <a:glow rad="63500">
+              <a:schemeClr val="tx1">
+                <a:alpha val="65000"/>
+              </a:schemeClr>
+            </a:glow>
+          </a:effectLst>
+        </p:spPr>
+      </p:pic>
+      <p:pic>
+        <p:nvPicPr>
+          <p:cNvPr id="6" name="図 5" descr="ロゴ&#10;&#10;自動的に生成された説明">
+            <a:extLst>
+              <a:ext uri="{FF2B5EF4-FFF2-40B4-BE49-F238E27FC236}">
+                <a16:creationId xmlns:a16="http://schemas.microsoft.com/office/drawing/2014/main" id="{0FE0BC1D-6A1D-32CF-9B5F-4B3E4AB03E48}"/>
+              </a:ext>
+            </a:extLst>
+          </p:cNvPr>
+          <p:cNvPicPr>
+            <a:picLocks noChangeAspect="1"/>
+          </p:cNvPicPr>
+          <p:nvPr/>
+        </p:nvPicPr>
+        <p:blipFill>
+          <a:blip r:embed="rId5">
+            <a:extLst>
+              <a:ext uri="{28A0092B-C50C-407E-A947-70E740481C1C}">
+                <a14:useLocalDpi xmlns:a14="http://schemas.microsoft.com/office/drawing/2010/main" val="0"/>
+              </a:ext>
+            </a:extLst>
+          </a:blip>
+          <a:stretch>
+            <a:fillRect/>
+          </a:stretch>
+        </p:blipFill>
+        <p:spPr>
+          <a:xfrm>
+            <a:off x="949452" y="4663250"/>
+            <a:ext cx="721041" cy="721041"/>
+          </a:xfrm>
+          <a:prstGeom prst="rect">
+            <a:avLst/>
+          </a:prstGeom>
+          <a:effectLst>
+            <a:glow rad="63500">
+              <a:schemeClr val="tx1">
+                <a:alpha val="65000"/>
+              </a:schemeClr>
+            </a:glow>
+          </a:effectLst>
+        </p:spPr>
+      </p:pic>
+      <p:sp>
+        <p:nvSpPr>
+          <p:cNvPr id="12" name="テキスト ボックス 11">
+            <a:extLst>
+              <a:ext uri="{FF2B5EF4-FFF2-40B4-BE49-F238E27FC236}">
+                <a16:creationId xmlns:a16="http://schemas.microsoft.com/office/drawing/2014/main" id="{14AD5968-A0EF-3A6F-3620-5C3E83A62348}"/>
+              </a:ext>
+            </a:extLst>
+          </p:cNvPr>
+          <p:cNvSpPr txBox="1"/>
+          <p:nvPr/>
+        </p:nvSpPr>
+        <p:spPr>
+          <a:xfrm>
+            <a:off x="1793748" y="4732538"/>
+            <a:ext cx="902811" cy="523220"/>
+          </a:xfrm>
+          <a:prstGeom prst="rect">
+            <a:avLst/>
+          </a:prstGeom>
+          <a:noFill/>
+        </p:spPr>
+        <p:txBody>
+          <a:bodyPr wrap="none" rtlCol="0">
+            <a:spAutoFit/>
+          </a:bodyPr>
+          <a:lstStyle/>
+          <a:p>
+            <a:r>
+              <a:rPr kumimoji="1" lang="ja-JP" altLang="en-US" sz="2800" dirty="0">
+                <a:effectLst>
+                  <a:glow rad="127000">
+                    <a:schemeClr val="bg1"/>
+                  </a:glow>
+                </a:effectLst>
+                <a:latin typeface="HGP創英角ｺﾞｼｯｸUB" panose="020B0900000000000000" pitchFamily="50" charset="-128"/>
+                <a:ea typeface="HGP創英角ｺﾞｼｯｸUB" panose="020B0900000000000000" pitchFamily="50" charset="-128"/>
+              </a:rPr>
+              <a:t>移動</a:t>
+            </a:r>
+            <a:endParaRPr kumimoji="1" lang="en-US" altLang="ja-JP" sz="2800" dirty="0">
+              <a:effectLst>
+                <a:glow rad="127000">
+                  <a:schemeClr val="bg1"/>
+                </a:glow>
+              </a:effectLst>
+              <a:latin typeface="HGP創英角ｺﾞｼｯｸUB" panose="020B0900000000000000" pitchFamily="50" charset="-128"/>
+              <a:ea typeface="HGP創英角ｺﾞｼｯｸUB" panose="020B0900000000000000" pitchFamily="50" charset="-128"/>
+            </a:endParaRPr>
+          </a:p>
+        </p:txBody>
+      </p:sp>
+      <p:pic>
+        <p:nvPicPr>
+          <p:cNvPr id="20" name="図 19" descr="挿絵 が含まれている画像&#10;&#10;自動的に生成された説明">
+            <a:extLst>
+              <a:ext uri="{FF2B5EF4-FFF2-40B4-BE49-F238E27FC236}">
+                <a16:creationId xmlns:a16="http://schemas.microsoft.com/office/drawing/2014/main" id="{203A4462-05F5-FF03-467A-AA7242E6B41B}"/>
+              </a:ext>
+            </a:extLst>
+          </p:cNvPr>
+          <p:cNvPicPr>
+            <a:picLocks noChangeAspect="1"/>
+          </p:cNvPicPr>
+          <p:nvPr/>
+        </p:nvPicPr>
+        <p:blipFill>
+          <a:blip r:embed="rId6">
+            <a:extLst>
+              <a:ext uri="{28A0092B-C50C-407E-A947-70E740481C1C}">
+                <a14:useLocalDpi xmlns:a14="http://schemas.microsoft.com/office/drawing/2010/main" val="0"/>
+              </a:ext>
+            </a:extLst>
+          </a:blip>
+          <a:stretch>
+            <a:fillRect/>
+          </a:stretch>
+        </p:blipFill>
+        <p:spPr>
+          <a:xfrm>
+            <a:off x="5779986" y="5460601"/>
+            <a:ext cx="504225" cy="504225"/>
+          </a:xfrm>
+          <a:prstGeom prst="rect">
+            <a:avLst/>
+          </a:prstGeom>
+          <a:effectLst>
+            <a:glow rad="63500">
+              <a:schemeClr val="tx1">
+                <a:alpha val="65000"/>
+              </a:schemeClr>
+            </a:glow>
+          </a:effectLst>
+        </p:spPr>
+      </p:pic>
+      <p:sp>
+        <p:nvSpPr>
+          <p:cNvPr id="21" name="正方形/長方形 20">
+            <a:extLst>
+              <a:ext uri="{FF2B5EF4-FFF2-40B4-BE49-F238E27FC236}">
+                <a16:creationId xmlns:a16="http://schemas.microsoft.com/office/drawing/2014/main" id="{8BBCDBD2-21F5-D62C-5894-570D1CEC04DE}"/>
+              </a:ext>
+            </a:extLst>
+          </p:cNvPr>
+          <p:cNvSpPr/>
+          <p:nvPr/>
+        </p:nvSpPr>
+        <p:spPr>
+          <a:xfrm>
+            <a:off x="5894588" y="5575664"/>
+            <a:ext cx="266065" cy="252112"/>
+          </a:xfrm>
+          <a:prstGeom prst="rect">
+            <a:avLst/>
+          </a:prstGeom>
+          <a:solidFill>
+            <a:schemeClr val="bg1"/>
+          </a:solidFill>
+          <a:ln>
+            <a:noFill/>
+          </a:ln>
+        </p:spPr>
+        <p:style>
+          <a:lnRef idx="2">
+            <a:schemeClr val="accent1">
+              <a:shade val="15000"/>
+            </a:schemeClr>
+          </a:lnRef>
+          <a:fillRef idx="1">
+            <a:schemeClr val="accent1"/>
+          </a:fillRef>
+          <a:effectRef idx="0">
+            <a:schemeClr val="accent1"/>
+          </a:effectRef>
+          <a:fontRef idx="minor">
+            <a:schemeClr val="lt1"/>
+          </a:fontRef>
+        </p:style>
+        <p:txBody>
+          <a:bodyPr rtlCol="0" anchor="ctr"/>
+          <a:lstStyle/>
+          <a:p>
+            <a:pPr algn="ctr"/>
+            <a:endParaRPr kumimoji="1" lang="ja-JP" altLang="en-US"/>
+          </a:p>
+        </p:txBody>
+      </p:sp>
+      <p:sp>
+        <p:nvSpPr>
+          <p:cNvPr id="14" name="テキスト ボックス 13">
+            <a:extLst>
+              <a:ext uri="{FF2B5EF4-FFF2-40B4-BE49-F238E27FC236}">
+                <a16:creationId xmlns:a16="http://schemas.microsoft.com/office/drawing/2014/main" id="{B6A6C60A-2F26-D524-0F2B-C92D36A5DC1F}"/>
+              </a:ext>
+            </a:extLst>
+          </p:cNvPr>
+          <p:cNvSpPr txBox="1"/>
+          <p:nvPr/>
+        </p:nvSpPr>
+        <p:spPr>
+          <a:xfrm>
+            <a:off x="85588" y="5444019"/>
+            <a:ext cx="3132589" cy="1200329"/>
+          </a:xfrm>
+          <a:prstGeom prst="rect">
+            <a:avLst/>
+          </a:prstGeom>
+          <a:noFill/>
+        </p:spPr>
+        <p:txBody>
+          <a:bodyPr wrap="none" rtlCol="0">
+            <a:spAutoFit/>
+          </a:bodyPr>
+          <a:lstStyle/>
+          <a:p>
+            <a:r>
+              <a:rPr kumimoji="1" lang="ja-JP" altLang="en-US" dirty="0">
+                <a:effectLst>
+                  <a:glow rad="127000">
+                    <a:schemeClr val="bg1"/>
+                  </a:glow>
+                </a:effectLst>
+                <a:latin typeface="HGP創英角ｺﾞｼｯｸUB" panose="020B0900000000000000" pitchFamily="50" charset="-128"/>
+                <a:ea typeface="HGP創英角ｺﾞｼｯｸUB" panose="020B0900000000000000" pitchFamily="50" charset="-128"/>
+              </a:rPr>
+              <a:t>ステージが傾いた方向に進むと</a:t>
+            </a:r>
+            <a:endParaRPr kumimoji="1" lang="en-US" altLang="ja-JP" dirty="0">
+              <a:effectLst>
+                <a:glow rad="127000">
+                  <a:schemeClr val="bg1"/>
+                </a:glow>
+              </a:effectLst>
+              <a:latin typeface="HGP創英角ｺﾞｼｯｸUB" panose="020B0900000000000000" pitchFamily="50" charset="-128"/>
+              <a:ea typeface="HGP創英角ｺﾞｼｯｸUB" panose="020B0900000000000000" pitchFamily="50" charset="-128"/>
+            </a:endParaRPr>
+          </a:p>
+          <a:p>
+            <a:r>
+              <a:rPr kumimoji="1" lang="ja-JP" altLang="en-US" dirty="0">
+                <a:effectLst>
+                  <a:glow rad="127000">
+                    <a:schemeClr val="bg1"/>
+                  </a:glow>
+                </a:effectLst>
+                <a:latin typeface="HGP創英角ｺﾞｼｯｸUB" panose="020B0900000000000000" pitchFamily="50" charset="-128"/>
+                <a:ea typeface="HGP創英角ｺﾞｼｯｸUB" panose="020B0900000000000000" pitchFamily="50" charset="-128"/>
+              </a:rPr>
+              <a:t>足が速くなる！！</a:t>
+            </a:r>
+            <a:endParaRPr kumimoji="1" lang="en-US" altLang="ja-JP" dirty="0">
+              <a:effectLst>
+                <a:glow rad="127000">
+                  <a:schemeClr val="bg1"/>
+                </a:glow>
+              </a:effectLst>
+              <a:latin typeface="HGP創英角ｺﾞｼｯｸUB" panose="020B0900000000000000" pitchFamily="50" charset="-128"/>
+              <a:ea typeface="HGP創英角ｺﾞｼｯｸUB" panose="020B0900000000000000" pitchFamily="50" charset="-128"/>
+            </a:endParaRPr>
+          </a:p>
+          <a:p>
+            <a:r>
+              <a:rPr kumimoji="1" lang="ja-JP" altLang="en-US" dirty="0">
+                <a:effectLst>
+                  <a:glow rad="127000">
+                    <a:schemeClr val="bg1"/>
+                  </a:glow>
+                </a:effectLst>
+                <a:latin typeface="HGP創英角ｺﾞｼｯｸUB" panose="020B0900000000000000" pitchFamily="50" charset="-128"/>
+                <a:ea typeface="HGP創英角ｺﾞｼｯｸUB" panose="020B0900000000000000" pitchFamily="50" charset="-128"/>
+              </a:rPr>
+              <a:t>逆に坂を上るようにして進むと</a:t>
+            </a:r>
+            <a:endParaRPr kumimoji="1" lang="en-US" altLang="ja-JP" dirty="0">
+              <a:effectLst>
+                <a:glow rad="127000">
+                  <a:schemeClr val="bg1"/>
+                </a:glow>
+              </a:effectLst>
+              <a:latin typeface="HGP創英角ｺﾞｼｯｸUB" panose="020B0900000000000000" pitchFamily="50" charset="-128"/>
+              <a:ea typeface="HGP創英角ｺﾞｼｯｸUB" panose="020B0900000000000000" pitchFamily="50" charset="-128"/>
+            </a:endParaRPr>
+          </a:p>
+          <a:p>
+            <a:r>
+              <a:rPr kumimoji="1" lang="ja-JP" altLang="en-US" dirty="0">
+                <a:effectLst>
+                  <a:glow rad="127000">
+                    <a:schemeClr val="bg1"/>
+                  </a:glow>
+                </a:effectLst>
+                <a:latin typeface="HGP創英角ｺﾞｼｯｸUB" panose="020B0900000000000000" pitchFamily="50" charset="-128"/>
+                <a:ea typeface="HGP創英角ｺﾞｼｯｸUB" panose="020B0900000000000000" pitchFamily="50" charset="-128"/>
+              </a:rPr>
+              <a:t>足が遅くなってしまう・・・</a:t>
+            </a:r>
+          </a:p>
+        </p:txBody>
+      </p:sp>
+      <p:sp>
+        <p:nvSpPr>
+          <p:cNvPr id="23" name="テキスト ボックス 22">
+            <a:extLst>
+              <a:ext uri="{FF2B5EF4-FFF2-40B4-BE49-F238E27FC236}">
+                <a16:creationId xmlns:a16="http://schemas.microsoft.com/office/drawing/2014/main" id="{DEC71E83-F9B5-E91F-1BC8-1B4BF848E485}"/>
+              </a:ext>
+            </a:extLst>
+          </p:cNvPr>
+          <p:cNvSpPr txBox="1"/>
+          <p:nvPr/>
+        </p:nvSpPr>
+        <p:spPr>
+          <a:xfrm>
+            <a:off x="6332994" y="5430012"/>
+            <a:ext cx="2291012" cy="523220"/>
+          </a:xfrm>
+          <a:prstGeom prst="rect">
+            <a:avLst/>
+          </a:prstGeom>
+          <a:noFill/>
+        </p:spPr>
+        <p:txBody>
+          <a:bodyPr wrap="none" rtlCol="0">
+            <a:spAutoFit/>
+          </a:bodyPr>
+          <a:lstStyle/>
+          <a:p>
+            <a:r>
+              <a:rPr kumimoji="1" lang="ja-JP" altLang="en-US" sz="2800" dirty="0">
+                <a:effectLst>
+                  <a:glow rad="127000">
+                    <a:schemeClr val="bg1"/>
+                  </a:glow>
+                </a:effectLst>
+                <a:latin typeface="HGP創英角ｺﾞｼｯｸUB" panose="020B0900000000000000" pitchFamily="50" charset="-128"/>
+                <a:ea typeface="HGP創英角ｺﾞｼｯｸUB" panose="020B0900000000000000" pitchFamily="50" charset="-128"/>
+              </a:rPr>
+              <a:t>ポーズメニュー</a:t>
+            </a:r>
+            <a:endParaRPr kumimoji="1" lang="en-US" altLang="ja-JP" sz="2800" dirty="0">
+              <a:effectLst>
+                <a:glow rad="127000">
+                  <a:schemeClr val="bg1"/>
+                </a:glow>
+              </a:effectLst>
+              <a:latin typeface="HGP創英角ｺﾞｼｯｸUB" panose="020B0900000000000000" pitchFamily="50" charset="-128"/>
+              <a:ea typeface="HGP創英角ｺﾞｼｯｸUB" panose="020B0900000000000000" pitchFamily="50" charset="-128"/>
+            </a:endParaRPr>
+          </a:p>
+        </p:txBody>
+      </p:sp>
+      <p:sp>
+        <p:nvSpPr>
+          <p:cNvPr id="24" name="テキスト ボックス 23">
+            <a:extLst>
+              <a:ext uri="{FF2B5EF4-FFF2-40B4-BE49-F238E27FC236}">
+                <a16:creationId xmlns:a16="http://schemas.microsoft.com/office/drawing/2014/main" id="{D638FA4E-5203-9D04-3D37-C065A6260681}"/>
+              </a:ext>
+            </a:extLst>
+          </p:cNvPr>
+          <p:cNvSpPr txBox="1"/>
+          <p:nvPr/>
+        </p:nvSpPr>
+        <p:spPr>
+          <a:xfrm>
+            <a:off x="5723394" y="6166866"/>
+            <a:ext cx="4293163" cy="369332"/>
+          </a:xfrm>
+          <a:prstGeom prst="rect">
+            <a:avLst/>
+          </a:prstGeom>
+          <a:noFill/>
+        </p:spPr>
+        <p:txBody>
+          <a:bodyPr wrap="none" rtlCol="0">
+            <a:spAutoFit/>
+          </a:bodyPr>
+          <a:lstStyle/>
+          <a:p>
+            <a:r>
+              <a:rPr kumimoji="1" lang="ja-JP" altLang="en-US" dirty="0">
+                <a:effectLst>
+                  <a:glow rad="127000">
+                    <a:schemeClr val="bg1"/>
+                  </a:glow>
+                </a:effectLst>
+                <a:latin typeface="HGP創英角ｺﾞｼｯｸUB" panose="020B0900000000000000" pitchFamily="50" charset="-128"/>
+                <a:ea typeface="HGP創英角ｺﾞｼｯｸUB" panose="020B0900000000000000" pitchFamily="50" charset="-128"/>
+              </a:rPr>
+              <a:t>ゲームを続ける</a:t>
+            </a:r>
+            <a:r>
+              <a:rPr kumimoji="1" lang="en-US" altLang="ja-JP" dirty="0">
+                <a:effectLst>
+                  <a:glow rad="127000">
+                    <a:schemeClr val="bg1"/>
+                  </a:glow>
+                </a:effectLst>
+                <a:latin typeface="HGP創英角ｺﾞｼｯｸUB" panose="020B0900000000000000" pitchFamily="50" charset="-128"/>
+                <a:ea typeface="HGP創英角ｺﾞｼｯｸUB" panose="020B0900000000000000" pitchFamily="50" charset="-128"/>
+              </a:rPr>
+              <a:t>/</a:t>
+            </a:r>
+            <a:r>
+              <a:rPr kumimoji="1" lang="ja-JP" altLang="en-US" dirty="0">
+                <a:effectLst>
+                  <a:glow rad="127000">
+                    <a:schemeClr val="bg1"/>
+                  </a:glow>
+                </a:effectLst>
+                <a:latin typeface="HGP創英角ｺﾞｼｯｸUB" panose="020B0900000000000000" pitchFamily="50" charset="-128"/>
+                <a:ea typeface="HGP創英角ｺﾞｼｯｸUB" panose="020B0900000000000000" pitchFamily="50" charset="-128"/>
+              </a:rPr>
+              <a:t>最初から</a:t>
+            </a:r>
+            <a:r>
+              <a:rPr kumimoji="1" lang="en-US" altLang="ja-JP" dirty="0">
+                <a:effectLst>
+                  <a:glow rad="127000">
+                    <a:schemeClr val="bg1"/>
+                  </a:glow>
+                </a:effectLst>
+                <a:latin typeface="HGP創英角ｺﾞｼｯｸUB" panose="020B0900000000000000" pitchFamily="50" charset="-128"/>
+                <a:ea typeface="HGP創英角ｺﾞｼｯｸUB" panose="020B0900000000000000" pitchFamily="50" charset="-128"/>
+              </a:rPr>
+              <a:t>/</a:t>
+            </a:r>
+            <a:r>
+              <a:rPr kumimoji="1" lang="ja-JP" altLang="en-US" dirty="0">
+                <a:effectLst>
+                  <a:glow rad="127000">
+                    <a:schemeClr val="bg1"/>
+                  </a:glow>
+                </a:effectLst>
+                <a:latin typeface="HGP創英角ｺﾞｼｯｸUB" panose="020B0900000000000000" pitchFamily="50" charset="-128"/>
+                <a:ea typeface="HGP創英角ｺﾞｼｯｸUB" panose="020B0900000000000000" pitchFamily="50" charset="-128"/>
+              </a:rPr>
+              <a:t>タイトルに戻る</a:t>
+            </a:r>
+          </a:p>
+        </p:txBody>
+      </p:sp>
+      <p:sp>
+        <p:nvSpPr>
+          <p:cNvPr id="25" name="矢印: 上向き折線 24">
+            <a:extLst>
+              <a:ext uri="{FF2B5EF4-FFF2-40B4-BE49-F238E27FC236}">
+                <a16:creationId xmlns:a16="http://schemas.microsoft.com/office/drawing/2014/main" id="{A2831672-BE32-BBAB-CC29-3137A0249F03}"/>
+              </a:ext>
+            </a:extLst>
+          </p:cNvPr>
+          <p:cNvSpPr/>
+          <p:nvPr/>
+        </p:nvSpPr>
+        <p:spPr>
+          <a:xfrm rot="5400000" flipV="1">
+            <a:off x="7256393" y="1970656"/>
+            <a:ext cx="1552956" cy="2513590"/>
+          </a:xfrm>
+          <a:prstGeom prst="bentUpArrow">
+            <a:avLst>
+              <a:gd name="adj1" fmla="val 9102"/>
+              <a:gd name="adj2" fmla="val 10868"/>
+              <a:gd name="adj3" fmla="val 10869"/>
+            </a:avLst>
+          </a:prstGeom>
+          <a:solidFill>
+            <a:schemeClr val="accent2"/>
+          </a:solidFill>
+        </p:spPr>
+        <p:style>
+          <a:lnRef idx="2">
+            <a:schemeClr val="accent1">
+              <a:shade val="15000"/>
+            </a:schemeClr>
+          </a:lnRef>
+          <a:fillRef idx="1">
+            <a:schemeClr val="accent1"/>
+          </a:fillRef>
+          <a:effectRef idx="0">
+            <a:schemeClr val="accent1"/>
+          </a:effectRef>
+          <a:fontRef idx="minor">
+            <a:schemeClr val="lt1"/>
+          </a:fontRef>
+        </p:style>
+        <p:txBody>
+          <a:bodyPr rtlCol="0" anchor="ctr"/>
+          <a:lstStyle/>
+          <a:p>
+            <a:pPr algn="ctr"/>
+            <a:endParaRPr kumimoji="1" lang="ja-JP" altLang="en-US" dirty="0"/>
+          </a:p>
+        </p:txBody>
+      </p:sp>
+      <p:sp>
+        <p:nvSpPr>
+          <p:cNvPr id="26" name="正方形/長方形 25">
+            <a:extLst>
+              <a:ext uri="{FF2B5EF4-FFF2-40B4-BE49-F238E27FC236}">
+                <a16:creationId xmlns:a16="http://schemas.microsoft.com/office/drawing/2014/main" id="{8D29794C-C107-0559-D58F-5CE82D6EAE12}"/>
+              </a:ext>
+            </a:extLst>
+          </p:cNvPr>
+          <p:cNvSpPr/>
+          <p:nvPr/>
+        </p:nvSpPr>
+        <p:spPr>
+          <a:xfrm>
+            <a:off x="5015484" y="2250948"/>
+            <a:ext cx="4818888" cy="524256"/>
+          </a:xfrm>
+          <a:prstGeom prst="rect">
+            <a:avLst/>
+          </a:prstGeom>
+          <a:solidFill>
+            <a:schemeClr val="tx1"/>
+          </a:solidFill>
+          <a:ln w="50800">
+            <a:solidFill>
+              <a:schemeClr val="tx1"/>
+            </a:solidFill>
+          </a:ln>
+        </p:spPr>
+        <p:style>
+          <a:lnRef idx="2">
+            <a:schemeClr val="accent1">
+              <a:shade val="15000"/>
+            </a:schemeClr>
+          </a:lnRef>
+          <a:fillRef idx="1">
+            <a:schemeClr val="accent1"/>
+          </a:fillRef>
+          <a:effectRef idx="0">
+            <a:schemeClr val="accent1"/>
+          </a:effectRef>
+          <a:fontRef idx="minor">
+            <a:schemeClr val="lt1"/>
+          </a:fontRef>
+        </p:style>
+        <p:txBody>
+          <a:bodyPr rtlCol="0" anchor="ctr"/>
+          <a:lstStyle/>
+          <a:p>
+            <a:r>
+              <a:rPr kumimoji="1" lang="ja-JP" altLang="en-US" dirty="0">
+                <a:latin typeface="HGP創英角ｺﾞｼｯｸUB" panose="020B0900000000000000" pitchFamily="50" charset="-128"/>
+                <a:ea typeface="HGP創英角ｺﾞｼｯｸUB" panose="020B0900000000000000" pitchFamily="50" charset="-128"/>
+              </a:rPr>
+              <a:t>Ａボタン</a:t>
+            </a:r>
+          </a:p>
+        </p:txBody>
+      </p:sp>
+      <p:pic>
+        <p:nvPicPr>
+          <p:cNvPr id="28" name="図 27" descr="アイコン&#10;&#10;自動的に生成された説明">
+            <a:extLst>
+              <a:ext uri="{FF2B5EF4-FFF2-40B4-BE49-F238E27FC236}">
+                <a16:creationId xmlns:a16="http://schemas.microsoft.com/office/drawing/2014/main" id="{78CF3C7E-794E-7780-6D6A-02DE3B8E692D}"/>
+              </a:ext>
+            </a:extLst>
+          </p:cNvPr>
+          <p:cNvPicPr>
+            <a:picLocks noChangeAspect="1"/>
+          </p:cNvPicPr>
+          <p:nvPr/>
+        </p:nvPicPr>
+        <p:blipFill>
+          <a:blip r:embed="rId7">
+            <a:extLst>
+              <a:ext uri="{28A0092B-C50C-407E-A947-70E740481C1C}">
+                <a14:useLocalDpi xmlns:a14="http://schemas.microsoft.com/office/drawing/2010/main" val="0"/>
+              </a:ext>
+            </a:extLst>
+          </a:blip>
+          <a:stretch>
+            <a:fillRect/>
+          </a:stretch>
+        </p:blipFill>
+        <p:spPr>
+          <a:xfrm>
+            <a:off x="5041782" y="32264"/>
+            <a:ext cx="766944" cy="766944"/>
+          </a:xfrm>
+          <a:prstGeom prst="rect">
+            <a:avLst/>
+          </a:prstGeom>
+          <a:effectLst>
+            <a:glow rad="63500">
+              <a:schemeClr val="tx1">
+                <a:alpha val="65000"/>
+              </a:schemeClr>
+            </a:glow>
+          </a:effectLst>
+        </p:spPr>
+      </p:pic>
+      <p:sp>
+        <p:nvSpPr>
+          <p:cNvPr id="29" name="テキスト ボックス 28">
+            <a:extLst>
+              <a:ext uri="{FF2B5EF4-FFF2-40B4-BE49-F238E27FC236}">
+                <a16:creationId xmlns:a16="http://schemas.microsoft.com/office/drawing/2014/main" id="{078D95C8-2C78-8B10-30CE-383A753D1693}"/>
+              </a:ext>
+            </a:extLst>
+          </p:cNvPr>
+          <p:cNvSpPr txBox="1"/>
+          <p:nvPr/>
+        </p:nvSpPr>
+        <p:spPr>
+          <a:xfrm>
+            <a:off x="5832805" y="111282"/>
+            <a:ext cx="902811" cy="523220"/>
+          </a:xfrm>
+          <a:prstGeom prst="rect">
+            <a:avLst/>
+          </a:prstGeom>
+          <a:noFill/>
+        </p:spPr>
+        <p:txBody>
+          <a:bodyPr wrap="none" rtlCol="0">
+            <a:spAutoFit/>
+          </a:bodyPr>
+          <a:lstStyle/>
+          <a:p>
+            <a:r>
+              <a:rPr kumimoji="1" lang="ja-JP" altLang="en-US" sz="2800" dirty="0">
+                <a:effectLst>
+                  <a:glow rad="127000">
+                    <a:schemeClr val="bg1"/>
+                  </a:glow>
+                </a:effectLst>
+                <a:latin typeface="HGP創英角ｺﾞｼｯｸUB" panose="020B0900000000000000" pitchFamily="50" charset="-128"/>
+                <a:ea typeface="HGP創英角ｺﾞｼｯｸUB" panose="020B0900000000000000" pitchFamily="50" charset="-128"/>
+              </a:rPr>
+              <a:t>攻撃</a:t>
+            </a:r>
+            <a:endParaRPr kumimoji="1" lang="en-US" altLang="ja-JP" sz="2800" dirty="0">
+              <a:effectLst>
+                <a:glow rad="127000">
+                  <a:schemeClr val="bg1"/>
+                </a:glow>
+              </a:effectLst>
+              <a:latin typeface="HGP創英角ｺﾞｼｯｸUB" panose="020B0900000000000000" pitchFamily="50" charset="-128"/>
+              <a:ea typeface="HGP創英角ｺﾞｼｯｸUB" panose="020B0900000000000000" pitchFamily="50" charset="-128"/>
+            </a:endParaRPr>
+          </a:p>
+        </p:txBody>
+      </p:sp>
+      <p:sp>
+        <p:nvSpPr>
+          <p:cNvPr id="30" name="テキスト ボックス 29">
+            <a:extLst>
+              <a:ext uri="{FF2B5EF4-FFF2-40B4-BE49-F238E27FC236}">
+                <a16:creationId xmlns:a16="http://schemas.microsoft.com/office/drawing/2014/main" id="{226B4AC9-1FF9-C551-51B7-B913E27E895E}"/>
+              </a:ext>
+            </a:extLst>
+          </p:cNvPr>
+          <p:cNvSpPr txBox="1"/>
+          <p:nvPr/>
+        </p:nvSpPr>
+        <p:spPr>
+          <a:xfrm>
+            <a:off x="4984046" y="803416"/>
+            <a:ext cx="5006499" cy="1200329"/>
+          </a:xfrm>
+          <a:prstGeom prst="rect">
+            <a:avLst/>
+          </a:prstGeom>
+          <a:noFill/>
+        </p:spPr>
+        <p:txBody>
+          <a:bodyPr wrap="none" rtlCol="0">
+            <a:spAutoFit/>
+          </a:bodyPr>
+          <a:lstStyle/>
+          <a:p>
+            <a:r>
+              <a:rPr kumimoji="1" lang="ja-JP" altLang="en-US" dirty="0">
+                <a:effectLst>
+                  <a:glow rad="127000">
+                    <a:schemeClr val="bg1"/>
+                  </a:glow>
+                </a:effectLst>
+                <a:latin typeface="HGP創英角ｺﾞｼｯｸUB" panose="020B0900000000000000" pitchFamily="50" charset="-128"/>
+                <a:ea typeface="HGP創英角ｺﾞｼｯｸUB" panose="020B0900000000000000" pitchFamily="50" charset="-128"/>
+              </a:rPr>
+              <a:t>正面に向かってファイアボールを放つ！</a:t>
+            </a:r>
+            <a:endParaRPr kumimoji="1" lang="en-US" altLang="ja-JP" dirty="0">
+              <a:effectLst>
+                <a:glow rad="127000">
+                  <a:schemeClr val="bg1"/>
+                </a:glow>
+              </a:effectLst>
+              <a:latin typeface="HGP創英角ｺﾞｼｯｸUB" panose="020B0900000000000000" pitchFamily="50" charset="-128"/>
+              <a:ea typeface="HGP創英角ｺﾞｼｯｸUB" panose="020B0900000000000000" pitchFamily="50" charset="-128"/>
+            </a:endParaRPr>
+          </a:p>
+          <a:p>
+            <a:r>
+              <a:rPr kumimoji="1" lang="ja-JP" altLang="en-US" dirty="0">
+                <a:effectLst>
+                  <a:glow rad="127000">
+                    <a:schemeClr val="bg1"/>
+                  </a:glow>
+                </a:effectLst>
+                <a:latin typeface="HGP創英角ｺﾞｼｯｸUB" panose="020B0900000000000000" pitchFamily="50" charset="-128"/>
+                <a:ea typeface="HGP創英角ｺﾞｼｯｸUB" panose="020B0900000000000000" pitchFamily="50" charset="-128"/>
+              </a:rPr>
+              <a:t>炎のオーブか鍵を持っているときにしか放てないが</a:t>
+            </a:r>
+            <a:endParaRPr kumimoji="1" lang="en-US" altLang="ja-JP" dirty="0">
+              <a:effectLst>
+                <a:glow rad="127000">
+                  <a:schemeClr val="bg1"/>
+                </a:glow>
+              </a:effectLst>
+              <a:latin typeface="HGP創英角ｺﾞｼｯｸUB" panose="020B0900000000000000" pitchFamily="50" charset="-128"/>
+              <a:ea typeface="HGP創英角ｺﾞｼｯｸUB" panose="020B0900000000000000" pitchFamily="50" charset="-128"/>
+            </a:endParaRPr>
+          </a:p>
+          <a:p>
+            <a:r>
+              <a:rPr kumimoji="1" lang="ja-JP" altLang="en-US" dirty="0">
+                <a:effectLst>
+                  <a:glow rad="127000">
+                    <a:schemeClr val="bg1"/>
+                  </a:glow>
+                </a:effectLst>
+                <a:latin typeface="HGP創英角ｺﾞｼｯｸUB" panose="020B0900000000000000" pitchFamily="50" charset="-128"/>
+                <a:ea typeface="HGP創英角ｺﾞｼｯｸUB" panose="020B0900000000000000" pitchFamily="50" charset="-128"/>
+              </a:rPr>
+              <a:t>敵を目玉焼きにして食べてしまえばスコアが加算！</a:t>
+            </a:r>
+            <a:endParaRPr kumimoji="1" lang="en-US" altLang="ja-JP" dirty="0">
+              <a:effectLst>
+                <a:glow rad="127000">
+                  <a:schemeClr val="bg1"/>
+                </a:glow>
+              </a:effectLst>
+              <a:latin typeface="HGP創英角ｺﾞｼｯｸUB" panose="020B0900000000000000" pitchFamily="50" charset="-128"/>
+              <a:ea typeface="HGP創英角ｺﾞｼｯｸUB" panose="020B0900000000000000" pitchFamily="50" charset="-128"/>
+            </a:endParaRPr>
+          </a:p>
+          <a:p>
+            <a:r>
+              <a:rPr kumimoji="1" lang="ja-JP" altLang="en-US" dirty="0">
+                <a:effectLst>
+                  <a:glow rad="127000">
+                    <a:schemeClr val="bg1"/>
+                  </a:glow>
+                </a:effectLst>
+                <a:latin typeface="HGP創英角ｺﾞｼｯｸUB" panose="020B0900000000000000" pitchFamily="50" charset="-128"/>
+                <a:ea typeface="HGP創英角ｺﾞｼｯｸUB" panose="020B0900000000000000" pitchFamily="50" charset="-128"/>
+              </a:rPr>
+              <a:t>倒した敵は一定時間で復活するので注意しよう！</a:t>
+            </a:r>
+          </a:p>
+        </p:txBody>
+      </p:sp>
     </p:spTree>
     <p:extLst>
       <p:ext uri="{BB962C8B-B14F-4D97-AF65-F5344CB8AC3E}">
         <p14:creationId xmlns:p14="http://schemas.microsoft.com/office/powerpoint/2010/main" val="592718991"/>
+      </p:ext>
+    </p:extLst>
+  </p:cSld>
+  <p:clrMapOvr>
+    <a:masterClrMapping/>
+  </p:clrMapOvr>
+</p:sld>
+</file>
+
+<file path=ppt/slides/slide2.xml><?xml version="1.0" encoding="utf-8"?>
+<p:sld xmlns:a="http://schemas.openxmlformats.org/drawingml/2006/main" xmlns:r="http://schemas.openxmlformats.org/officeDocument/2006/relationships" xmlns:p="http://schemas.openxmlformats.org/presentationml/2006/main">
+  <p:cSld>
+    <p:spTree>
+      <p:nvGrpSpPr>
+        <p:cNvPr id="1" name=""/>
+        <p:cNvGrpSpPr/>
+        <p:nvPr/>
+      </p:nvGrpSpPr>
+      <p:grpSpPr>
+        <a:xfrm>
+          <a:off x="0" y="0"/>
+          <a:ext cx="0" cy="0"/>
+          <a:chOff x="0" y="0"/>
+          <a:chExt cx="0" cy="0"/>
+        </a:xfrm>
+      </p:grpSpPr>
+    </p:spTree>
+    <p:extLst>
+      <p:ext uri="{BB962C8B-B14F-4D97-AF65-F5344CB8AC3E}">
+        <p14:creationId xmlns:p14="http://schemas.microsoft.com/office/powerpoint/2010/main" val="3307515267"/>
       </p:ext>
     </p:extLst>
   </p:cSld>

--- a/99_pranning/操作説明書.pptx
+++ b/99_pranning/操作説明書.pptx
@@ -4,6 +4,9 @@
   <p:sldMasterIdLst>
     <p:sldMasterId id="2147483660" r:id="rId1"/>
   </p:sldMasterIdLst>
+  <p:notesMasterIdLst>
+    <p:notesMasterId r:id="rId4"/>
+  </p:notesMasterIdLst>
   <p:sldIdLst>
     <p:sldId id="256" r:id="rId2"/>
     <p:sldId id="257" r:id="rId3"/>
@@ -111,6 +114,471 @@
     </p:ext>
   </p:extLst>
 </p:presentation>
+</file>
+
+<file path=ppt/notesMasters/notesMaster1.xml><?xml version="1.0" encoding="utf-8"?>
+<p:notesMaster xmlns:a="http://schemas.openxmlformats.org/drawingml/2006/main" xmlns:r="http://schemas.openxmlformats.org/officeDocument/2006/relationships" xmlns:p="http://schemas.openxmlformats.org/presentationml/2006/main">
+  <p:cSld>
+    <p:bg>
+      <p:bgRef idx="1001">
+        <a:schemeClr val="bg1"/>
+      </p:bgRef>
+    </p:bg>
+    <p:spTree>
+      <p:nvGrpSpPr>
+        <p:cNvPr id="1" name=""/>
+        <p:cNvGrpSpPr/>
+        <p:nvPr/>
+      </p:nvGrpSpPr>
+      <p:grpSpPr>
+        <a:xfrm>
+          <a:off x="0" y="0"/>
+          <a:ext cx="0" cy="0"/>
+          <a:chOff x="0" y="0"/>
+          <a:chExt cx="0" cy="0"/>
+        </a:xfrm>
+      </p:grpSpPr>
+      <p:sp>
+        <p:nvSpPr>
+          <p:cNvPr id="2" name="ヘッダー プレースホルダー 1"/>
+          <p:cNvSpPr>
+            <a:spLocks noGrp="1"/>
+          </p:cNvSpPr>
+          <p:nvPr>
+            <p:ph type="hdr" sz="quarter"/>
+          </p:nvPr>
+        </p:nvSpPr>
+        <p:spPr>
+          <a:xfrm>
+            <a:off x="0" y="0"/>
+            <a:ext cx="2971800" cy="458788"/>
+          </a:xfrm>
+          <a:prstGeom prst="rect">
+            <a:avLst/>
+          </a:prstGeom>
+        </p:spPr>
+        <p:txBody>
+          <a:bodyPr vert="horz" lIns="91440" tIns="45720" rIns="91440" bIns="45720" rtlCol="0"/>
+          <a:lstStyle>
+            <a:lvl1pPr algn="l">
+              <a:defRPr sz="1200"/>
+            </a:lvl1pPr>
+          </a:lstStyle>
+          <a:p>
+            <a:endParaRPr kumimoji="1" lang="ja-JP" altLang="en-US"/>
+          </a:p>
+        </p:txBody>
+      </p:sp>
+      <p:sp>
+        <p:nvSpPr>
+          <p:cNvPr id="3" name="日付プレースホルダー 2"/>
+          <p:cNvSpPr>
+            <a:spLocks noGrp="1"/>
+          </p:cNvSpPr>
+          <p:nvPr>
+            <p:ph type="dt" idx="1"/>
+          </p:nvPr>
+        </p:nvSpPr>
+        <p:spPr>
+          <a:xfrm>
+            <a:off x="3884613" y="0"/>
+            <a:ext cx="2971800" cy="458788"/>
+          </a:xfrm>
+          <a:prstGeom prst="rect">
+            <a:avLst/>
+          </a:prstGeom>
+        </p:spPr>
+        <p:txBody>
+          <a:bodyPr vert="horz" lIns="91440" tIns="45720" rIns="91440" bIns="45720" rtlCol="0"/>
+          <a:lstStyle>
+            <a:lvl1pPr algn="r">
+              <a:defRPr sz="1200"/>
+            </a:lvl1pPr>
+          </a:lstStyle>
+          <a:p>
+            <a:fld id="{FC028F58-CADC-4364-9B3C-22A5C82DAE34}" type="datetimeFigureOut">
+              <a:rPr kumimoji="1" lang="ja-JP" altLang="en-US" smtClean="0"/>
+              <a:t>2025/1/21</a:t>
+            </a:fld>
+            <a:endParaRPr kumimoji="1" lang="ja-JP" altLang="en-US"/>
+          </a:p>
+        </p:txBody>
+      </p:sp>
+      <p:sp>
+        <p:nvSpPr>
+          <p:cNvPr id="4" name="スライド イメージ プレースホルダー 3"/>
+          <p:cNvSpPr>
+            <a:spLocks noGrp="1" noRot="1" noChangeAspect="1"/>
+          </p:cNvSpPr>
+          <p:nvPr>
+            <p:ph type="sldImg" idx="2"/>
+          </p:nvPr>
+        </p:nvSpPr>
+        <p:spPr>
+          <a:xfrm>
+            <a:off x="1200150" y="1143000"/>
+            <a:ext cx="4457700" cy="3086100"/>
+          </a:xfrm>
+          <a:prstGeom prst="rect">
+            <a:avLst/>
+          </a:prstGeom>
+          <a:noFill/>
+          <a:ln w="12700">
+            <a:solidFill>
+              <a:prstClr val="black"/>
+            </a:solidFill>
+          </a:ln>
+        </p:spPr>
+        <p:txBody>
+          <a:bodyPr vert="horz" lIns="91440" tIns="45720" rIns="91440" bIns="45720" rtlCol="0" anchor="ctr"/>
+          <a:lstStyle/>
+          <a:p>
+            <a:endParaRPr lang="ja-JP" altLang="en-US"/>
+          </a:p>
+        </p:txBody>
+      </p:sp>
+      <p:sp>
+        <p:nvSpPr>
+          <p:cNvPr id="5" name="ノート プレースホルダー 4"/>
+          <p:cNvSpPr>
+            <a:spLocks noGrp="1"/>
+          </p:cNvSpPr>
+          <p:nvPr>
+            <p:ph type="body" sz="quarter" idx="3"/>
+          </p:nvPr>
+        </p:nvSpPr>
+        <p:spPr>
+          <a:xfrm>
+            <a:off x="685800" y="4400550"/>
+            <a:ext cx="5486400" cy="3600450"/>
+          </a:xfrm>
+          <a:prstGeom prst="rect">
+            <a:avLst/>
+          </a:prstGeom>
+        </p:spPr>
+        <p:txBody>
+          <a:bodyPr vert="horz" lIns="91440" tIns="45720" rIns="91440" bIns="45720" rtlCol="0"/>
+          <a:lstStyle/>
+          <a:p>
+            <a:pPr lvl="0"/>
+            <a:r>
+              <a:rPr kumimoji="1" lang="ja-JP" altLang="en-US"/>
+              <a:t>マスター テキストの書式設定</a:t>
+            </a:r>
+          </a:p>
+          <a:p>
+            <a:pPr lvl="1"/>
+            <a:r>
+              <a:rPr kumimoji="1" lang="ja-JP" altLang="en-US"/>
+              <a:t>第 </a:t>
+            </a:r>
+            <a:r>
+              <a:rPr kumimoji="1" lang="en-US" altLang="ja-JP"/>
+              <a:t>2 </a:t>
+            </a:r>
+            <a:r>
+              <a:rPr kumimoji="1" lang="ja-JP" altLang="en-US"/>
+              <a:t>レベル</a:t>
+            </a:r>
+          </a:p>
+          <a:p>
+            <a:pPr lvl="2"/>
+            <a:r>
+              <a:rPr kumimoji="1" lang="ja-JP" altLang="en-US"/>
+              <a:t>第 </a:t>
+            </a:r>
+            <a:r>
+              <a:rPr kumimoji="1" lang="en-US" altLang="ja-JP"/>
+              <a:t>3 </a:t>
+            </a:r>
+            <a:r>
+              <a:rPr kumimoji="1" lang="ja-JP" altLang="en-US"/>
+              <a:t>レベル</a:t>
+            </a:r>
+          </a:p>
+          <a:p>
+            <a:pPr lvl="3"/>
+            <a:r>
+              <a:rPr kumimoji="1" lang="ja-JP" altLang="en-US"/>
+              <a:t>第 </a:t>
+            </a:r>
+            <a:r>
+              <a:rPr kumimoji="1" lang="en-US" altLang="ja-JP"/>
+              <a:t>4 </a:t>
+            </a:r>
+            <a:r>
+              <a:rPr kumimoji="1" lang="ja-JP" altLang="en-US"/>
+              <a:t>レベル</a:t>
+            </a:r>
+          </a:p>
+          <a:p>
+            <a:pPr lvl="4"/>
+            <a:r>
+              <a:rPr kumimoji="1" lang="ja-JP" altLang="en-US"/>
+              <a:t>第 </a:t>
+            </a:r>
+            <a:r>
+              <a:rPr kumimoji="1" lang="en-US" altLang="ja-JP"/>
+              <a:t>5 </a:t>
+            </a:r>
+            <a:r>
+              <a:rPr kumimoji="1" lang="ja-JP" altLang="en-US"/>
+              <a:t>レベル</a:t>
+            </a:r>
+          </a:p>
+        </p:txBody>
+      </p:sp>
+      <p:sp>
+        <p:nvSpPr>
+          <p:cNvPr id="6" name="フッター プレースホルダー 5"/>
+          <p:cNvSpPr>
+            <a:spLocks noGrp="1"/>
+          </p:cNvSpPr>
+          <p:nvPr>
+            <p:ph type="ftr" sz="quarter" idx="4"/>
+          </p:nvPr>
+        </p:nvSpPr>
+        <p:spPr>
+          <a:xfrm>
+            <a:off x="0" y="8685213"/>
+            <a:ext cx="2971800" cy="458787"/>
+          </a:xfrm>
+          <a:prstGeom prst="rect">
+            <a:avLst/>
+          </a:prstGeom>
+        </p:spPr>
+        <p:txBody>
+          <a:bodyPr vert="horz" lIns="91440" tIns="45720" rIns="91440" bIns="45720" rtlCol="0" anchor="b"/>
+          <a:lstStyle>
+            <a:lvl1pPr algn="l">
+              <a:defRPr sz="1200"/>
+            </a:lvl1pPr>
+          </a:lstStyle>
+          <a:p>
+            <a:endParaRPr kumimoji="1" lang="ja-JP" altLang="en-US"/>
+          </a:p>
+        </p:txBody>
+      </p:sp>
+      <p:sp>
+        <p:nvSpPr>
+          <p:cNvPr id="7" name="スライド番号プレースホルダー 6"/>
+          <p:cNvSpPr>
+            <a:spLocks noGrp="1"/>
+          </p:cNvSpPr>
+          <p:nvPr>
+            <p:ph type="sldNum" sz="quarter" idx="5"/>
+          </p:nvPr>
+        </p:nvSpPr>
+        <p:spPr>
+          <a:xfrm>
+            <a:off x="3884613" y="8685213"/>
+            <a:ext cx="2971800" cy="458787"/>
+          </a:xfrm>
+          <a:prstGeom prst="rect">
+            <a:avLst/>
+          </a:prstGeom>
+        </p:spPr>
+        <p:txBody>
+          <a:bodyPr vert="horz" lIns="91440" tIns="45720" rIns="91440" bIns="45720" rtlCol="0" anchor="b"/>
+          <a:lstStyle>
+            <a:lvl1pPr algn="r">
+              <a:defRPr sz="1200"/>
+            </a:lvl1pPr>
+          </a:lstStyle>
+          <a:p>
+            <a:fld id="{32714FDD-04E6-47DD-9262-4B32AA64EE94}" type="slidenum">
+              <a:rPr kumimoji="1" lang="ja-JP" altLang="en-US" smtClean="0"/>
+              <a:t>‹#›</a:t>
+            </a:fld>
+            <a:endParaRPr kumimoji="1" lang="ja-JP" altLang="en-US"/>
+          </a:p>
+        </p:txBody>
+      </p:sp>
+    </p:spTree>
+    <p:extLst>
+      <p:ext uri="{BB962C8B-B14F-4D97-AF65-F5344CB8AC3E}">
+        <p14:creationId xmlns:p14="http://schemas.microsoft.com/office/powerpoint/2010/main" val="1755483277"/>
+      </p:ext>
+    </p:extLst>
+  </p:cSld>
+  <p:clrMap bg1="lt1" tx1="dk1" bg2="lt2" tx2="dk2" accent1="accent1" accent2="accent2" accent3="accent3" accent4="accent4" accent5="accent5" accent6="accent6" hlink="hlink" folHlink="folHlink"/>
+  <p:notesStyle>
+    <a:lvl1pPr marL="0" algn="l" defTabSz="914400" rtl="0" eaLnBrk="1" latinLnBrk="0" hangingPunct="1">
+      <a:defRPr kumimoji="1" sz="1200" kern="1200">
+        <a:solidFill>
+          <a:schemeClr val="tx1"/>
+        </a:solidFill>
+        <a:latin typeface="+mn-lt"/>
+        <a:ea typeface="+mn-ea"/>
+        <a:cs typeface="+mn-cs"/>
+      </a:defRPr>
+    </a:lvl1pPr>
+    <a:lvl2pPr marL="457200" algn="l" defTabSz="914400" rtl="0" eaLnBrk="1" latinLnBrk="0" hangingPunct="1">
+      <a:defRPr kumimoji="1" sz="1200" kern="1200">
+        <a:solidFill>
+          <a:schemeClr val="tx1"/>
+        </a:solidFill>
+        <a:latin typeface="+mn-lt"/>
+        <a:ea typeface="+mn-ea"/>
+        <a:cs typeface="+mn-cs"/>
+      </a:defRPr>
+    </a:lvl2pPr>
+    <a:lvl3pPr marL="914400" algn="l" defTabSz="914400" rtl="0" eaLnBrk="1" latinLnBrk="0" hangingPunct="1">
+      <a:defRPr kumimoji="1" sz="1200" kern="1200">
+        <a:solidFill>
+          <a:schemeClr val="tx1"/>
+        </a:solidFill>
+        <a:latin typeface="+mn-lt"/>
+        <a:ea typeface="+mn-ea"/>
+        <a:cs typeface="+mn-cs"/>
+      </a:defRPr>
+    </a:lvl3pPr>
+    <a:lvl4pPr marL="1371600" algn="l" defTabSz="914400" rtl="0" eaLnBrk="1" latinLnBrk="0" hangingPunct="1">
+      <a:defRPr kumimoji="1" sz="1200" kern="1200">
+        <a:solidFill>
+          <a:schemeClr val="tx1"/>
+        </a:solidFill>
+        <a:latin typeface="+mn-lt"/>
+        <a:ea typeface="+mn-ea"/>
+        <a:cs typeface="+mn-cs"/>
+      </a:defRPr>
+    </a:lvl4pPr>
+    <a:lvl5pPr marL="1828800" algn="l" defTabSz="914400" rtl="0" eaLnBrk="1" latinLnBrk="0" hangingPunct="1">
+      <a:defRPr kumimoji="1" sz="1200" kern="1200">
+        <a:solidFill>
+          <a:schemeClr val="tx1"/>
+        </a:solidFill>
+        <a:latin typeface="+mn-lt"/>
+        <a:ea typeface="+mn-ea"/>
+        <a:cs typeface="+mn-cs"/>
+      </a:defRPr>
+    </a:lvl5pPr>
+    <a:lvl6pPr marL="2286000" algn="l" defTabSz="914400" rtl="0" eaLnBrk="1" latinLnBrk="0" hangingPunct="1">
+      <a:defRPr kumimoji="1" sz="1200" kern="1200">
+        <a:solidFill>
+          <a:schemeClr val="tx1"/>
+        </a:solidFill>
+        <a:latin typeface="+mn-lt"/>
+        <a:ea typeface="+mn-ea"/>
+        <a:cs typeface="+mn-cs"/>
+      </a:defRPr>
+    </a:lvl6pPr>
+    <a:lvl7pPr marL="2743200" algn="l" defTabSz="914400" rtl="0" eaLnBrk="1" latinLnBrk="0" hangingPunct="1">
+      <a:defRPr kumimoji="1" sz="1200" kern="1200">
+        <a:solidFill>
+          <a:schemeClr val="tx1"/>
+        </a:solidFill>
+        <a:latin typeface="+mn-lt"/>
+        <a:ea typeface="+mn-ea"/>
+        <a:cs typeface="+mn-cs"/>
+      </a:defRPr>
+    </a:lvl7pPr>
+    <a:lvl8pPr marL="3200400" algn="l" defTabSz="914400" rtl="0" eaLnBrk="1" latinLnBrk="0" hangingPunct="1">
+      <a:defRPr kumimoji="1" sz="1200" kern="1200">
+        <a:solidFill>
+          <a:schemeClr val="tx1"/>
+        </a:solidFill>
+        <a:latin typeface="+mn-lt"/>
+        <a:ea typeface="+mn-ea"/>
+        <a:cs typeface="+mn-cs"/>
+      </a:defRPr>
+    </a:lvl8pPr>
+    <a:lvl9pPr marL="3657600" algn="l" defTabSz="914400" rtl="0" eaLnBrk="1" latinLnBrk="0" hangingPunct="1">
+      <a:defRPr kumimoji="1" sz="1200" kern="1200">
+        <a:solidFill>
+          <a:schemeClr val="tx1"/>
+        </a:solidFill>
+        <a:latin typeface="+mn-lt"/>
+        <a:ea typeface="+mn-ea"/>
+        <a:cs typeface="+mn-cs"/>
+      </a:defRPr>
+    </a:lvl9pPr>
+  </p:notesStyle>
+</p:notesMaster>
+</file>
+
+<file path=ppt/notesSlides/notesSlide1.xml><?xml version="1.0" encoding="utf-8"?>
+<p:notes xmlns:a="http://schemas.openxmlformats.org/drawingml/2006/main" xmlns:r="http://schemas.openxmlformats.org/officeDocument/2006/relationships" xmlns:p="http://schemas.openxmlformats.org/presentationml/2006/main">
+  <p:cSld>
+    <p:spTree>
+      <p:nvGrpSpPr>
+        <p:cNvPr id="1" name=""/>
+        <p:cNvGrpSpPr/>
+        <p:nvPr/>
+      </p:nvGrpSpPr>
+      <p:grpSpPr>
+        <a:xfrm>
+          <a:off x="0" y="0"/>
+          <a:ext cx="0" cy="0"/>
+          <a:chOff x="0" y="0"/>
+          <a:chExt cx="0" cy="0"/>
+        </a:xfrm>
+      </p:grpSpPr>
+      <p:sp>
+        <p:nvSpPr>
+          <p:cNvPr id="2" name="スライド イメージ プレースホルダー 1"/>
+          <p:cNvSpPr>
+            <a:spLocks noGrp="1" noRot="1" noChangeAspect="1"/>
+          </p:cNvSpPr>
+          <p:nvPr>
+            <p:ph type="sldImg"/>
+          </p:nvPr>
+        </p:nvSpPr>
+        <p:spPr/>
+      </p:sp>
+      <p:sp>
+        <p:nvSpPr>
+          <p:cNvPr id="3" name="ノート プレースホルダー 2"/>
+          <p:cNvSpPr>
+            <a:spLocks noGrp="1"/>
+          </p:cNvSpPr>
+          <p:nvPr>
+            <p:ph type="body" idx="1"/>
+          </p:nvPr>
+        </p:nvSpPr>
+        <p:spPr/>
+        <p:txBody>
+          <a:bodyPr/>
+          <a:lstStyle/>
+          <a:p>
+            <a:endParaRPr kumimoji="1" lang="ja-JP" altLang="en-US" dirty="0"/>
+          </a:p>
+        </p:txBody>
+      </p:sp>
+      <p:sp>
+        <p:nvSpPr>
+          <p:cNvPr id="4" name="スライド番号プレースホルダー 3"/>
+          <p:cNvSpPr>
+            <a:spLocks noGrp="1"/>
+          </p:cNvSpPr>
+          <p:nvPr>
+            <p:ph type="sldNum" sz="quarter" idx="5"/>
+          </p:nvPr>
+        </p:nvSpPr>
+        <p:spPr/>
+        <p:txBody>
+          <a:bodyPr/>
+          <a:lstStyle/>
+          <a:p>
+            <a:fld id="{32714FDD-04E6-47DD-9262-4B32AA64EE94}" type="slidenum">
+              <a:rPr kumimoji="1" lang="ja-JP" altLang="en-US" smtClean="0"/>
+              <a:t>2</a:t>
+            </a:fld>
+            <a:endParaRPr kumimoji="1" lang="ja-JP" altLang="en-US"/>
+          </a:p>
+        </p:txBody>
+      </p:sp>
+    </p:spTree>
+    <p:extLst>
+      <p:ext uri="{BB962C8B-B14F-4D97-AF65-F5344CB8AC3E}">
+        <p14:creationId xmlns:p14="http://schemas.microsoft.com/office/powerpoint/2010/main" val="4024953324"/>
+      </p:ext>
+    </p:extLst>
+  </p:cSld>
+  <p:clrMapOvr>
+    <a:masterClrMapping/>
+  </p:clrMapOvr>
+</p:notes>
 </file>
 
 <file path=ppt/slideLayouts/slideLayout1.xml><?xml version="1.0" encoding="utf-8"?>
@@ -4726,6 +5194,20 @@
 <file path=ppt/slides/slide2.xml><?xml version="1.0" encoding="utf-8"?>
 <p:sld xmlns:a="http://schemas.openxmlformats.org/drawingml/2006/main" xmlns:r="http://schemas.openxmlformats.org/officeDocument/2006/relationships" xmlns:p="http://schemas.openxmlformats.org/presentationml/2006/main">
   <p:cSld>
+    <p:bg>
+      <p:bgPr>
+        <a:blipFill dpi="0" rotWithShape="1">
+          <a:blip r:embed="rId3">
+            <a:lum/>
+          </a:blip>
+          <a:srcRect/>
+          <a:stretch>
+            <a:fillRect l="-12000" r="-12000"/>
+          </a:stretch>
+        </a:blipFill>
+        <a:effectLst/>
+      </p:bgPr>
+    </p:bg>
     <p:spTree>
       <p:nvGrpSpPr>
         <p:cNvPr id="1" name=""/>
@@ -4740,6 +5222,1646 @@
           <a:chExt cx="0" cy="0"/>
         </a:xfrm>
       </p:grpSpPr>
+      <p:sp>
+        <p:nvSpPr>
+          <p:cNvPr id="5" name="正方形/長方形 4">
+            <a:extLst>
+              <a:ext uri="{FF2B5EF4-FFF2-40B4-BE49-F238E27FC236}">
+                <a16:creationId xmlns:a16="http://schemas.microsoft.com/office/drawing/2014/main" id="{002A9119-4764-46FA-B5C6-3971935A7509}"/>
+              </a:ext>
+            </a:extLst>
+          </p:cNvPr>
+          <p:cNvSpPr/>
+          <p:nvPr/>
+        </p:nvSpPr>
+        <p:spPr>
+          <a:xfrm>
+            <a:off x="5656387" y="1600200"/>
+            <a:ext cx="3886200" cy="5037992"/>
+          </a:xfrm>
+          <a:prstGeom prst="rect">
+            <a:avLst/>
+          </a:prstGeom>
+          <a:solidFill>
+            <a:schemeClr val="bg1"/>
+          </a:solidFill>
+          <a:ln w="76200">
+            <a:solidFill>
+              <a:srgbClr val="FF0000"/>
+            </a:solidFill>
+          </a:ln>
+        </p:spPr>
+        <p:style>
+          <a:lnRef idx="2">
+            <a:schemeClr val="accent2"/>
+          </a:lnRef>
+          <a:fillRef idx="1">
+            <a:schemeClr val="lt1"/>
+          </a:fillRef>
+          <a:effectRef idx="0">
+            <a:schemeClr val="accent2"/>
+          </a:effectRef>
+          <a:fontRef idx="minor">
+            <a:schemeClr val="dk1"/>
+          </a:fontRef>
+        </p:style>
+        <p:txBody>
+          <a:bodyPr rtlCol="0" anchor="ctr"/>
+          <a:lstStyle/>
+          <a:p>
+            <a:pPr algn="ctr"/>
+            <a:endParaRPr kumimoji="1" lang="ja-JP" altLang="en-US"/>
+          </a:p>
+        </p:txBody>
+      </p:sp>
+      <p:sp>
+        <p:nvSpPr>
+          <p:cNvPr id="40" name="正方形/長方形 39">
+            <a:extLst>
+              <a:ext uri="{FF2B5EF4-FFF2-40B4-BE49-F238E27FC236}">
+                <a16:creationId xmlns:a16="http://schemas.microsoft.com/office/drawing/2014/main" id="{83E0D426-5D09-40C8-A046-D0E209E3A220}"/>
+              </a:ext>
+            </a:extLst>
+          </p:cNvPr>
+          <p:cNvSpPr/>
+          <p:nvPr/>
+        </p:nvSpPr>
+        <p:spPr>
+          <a:xfrm>
+            <a:off x="5855976" y="5410269"/>
+            <a:ext cx="3539806" cy="1013827"/>
+          </a:xfrm>
+          <a:prstGeom prst="rect">
+            <a:avLst/>
+          </a:prstGeom>
+          <a:solidFill>
+            <a:srgbClr val="FFFF00"/>
+          </a:solidFill>
+          <a:ln w="76200">
+            <a:solidFill>
+              <a:schemeClr val="tx1"/>
+            </a:solidFill>
+          </a:ln>
+        </p:spPr>
+        <p:style>
+          <a:lnRef idx="2">
+            <a:schemeClr val="accent4"/>
+          </a:lnRef>
+          <a:fillRef idx="1">
+            <a:schemeClr val="lt1"/>
+          </a:fillRef>
+          <a:effectRef idx="0">
+            <a:schemeClr val="accent4"/>
+          </a:effectRef>
+          <a:fontRef idx="minor">
+            <a:schemeClr val="dk1"/>
+          </a:fontRef>
+        </p:style>
+        <p:txBody>
+          <a:bodyPr rtlCol="0" anchor="ctr"/>
+          <a:lstStyle/>
+          <a:p>
+            <a:pPr algn="ctr"/>
+            <a:endParaRPr kumimoji="1" lang="ja-JP" altLang="en-US"/>
+          </a:p>
+        </p:txBody>
+      </p:sp>
+      <p:sp>
+        <p:nvSpPr>
+          <p:cNvPr id="39" name="正方形/長方形 38">
+            <a:extLst>
+              <a:ext uri="{FF2B5EF4-FFF2-40B4-BE49-F238E27FC236}">
+                <a16:creationId xmlns:a16="http://schemas.microsoft.com/office/drawing/2014/main" id="{792AF61C-D0CE-498F-9174-18D6B4E38149}"/>
+              </a:ext>
+            </a:extLst>
+          </p:cNvPr>
+          <p:cNvSpPr/>
+          <p:nvPr/>
+        </p:nvSpPr>
+        <p:spPr>
+          <a:xfrm>
+            <a:off x="5819231" y="2093396"/>
+            <a:ext cx="3576551" cy="3219725"/>
+          </a:xfrm>
+          <a:prstGeom prst="rect">
+            <a:avLst/>
+          </a:prstGeom>
+          <a:solidFill>
+            <a:schemeClr val="tx2">
+              <a:lumMod val="50000"/>
+              <a:lumOff val="50000"/>
+            </a:schemeClr>
+          </a:solidFill>
+        </p:spPr>
+        <p:style>
+          <a:lnRef idx="2">
+            <a:schemeClr val="accent4">
+              <a:shade val="50000"/>
+            </a:schemeClr>
+          </a:lnRef>
+          <a:fillRef idx="1">
+            <a:schemeClr val="accent4"/>
+          </a:fillRef>
+          <a:effectRef idx="0">
+            <a:schemeClr val="accent4"/>
+          </a:effectRef>
+          <a:fontRef idx="minor">
+            <a:schemeClr val="lt1"/>
+          </a:fontRef>
+        </p:style>
+        <p:txBody>
+          <a:bodyPr rtlCol="0" anchor="ctr"/>
+          <a:lstStyle/>
+          <a:p>
+            <a:pPr algn="ctr"/>
+            <a:endParaRPr kumimoji="1" lang="ja-JP" altLang="en-US"/>
+          </a:p>
+        </p:txBody>
+      </p:sp>
+      <p:sp>
+        <p:nvSpPr>
+          <p:cNvPr id="2" name="正方形/長方形 1">
+            <a:extLst>
+              <a:ext uri="{FF2B5EF4-FFF2-40B4-BE49-F238E27FC236}">
+                <a16:creationId xmlns:a16="http://schemas.microsoft.com/office/drawing/2014/main" id="{1ED9733F-2627-4516-B173-154B240BC1DD}"/>
+              </a:ext>
+            </a:extLst>
+          </p:cNvPr>
+          <p:cNvSpPr/>
+          <p:nvPr/>
+        </p:nvSpPr>
+        <p:spPr>
+          <a:xfrm>
+            <a:off x="131885" y="114300"/>
+            <a:ext cx="2110153" cy="571500"/>
+          </a:xfrm>
+          <a:prstGeom prst="rect">
+            <a:avLst/>
+          </a:prstGeom>
+          <a:ln w="76200"/>
+        </p:spPr>
+        <p:style>
+          <a:lnRef idx="2">
+            <a:schemeClr val="dk1"/>
+          </a:lnRef>
+          <a:fillRef idx="1">
+            <a:schemeClr val="lt1"/>
+          </a:fillRef>
+          <a:effectRef idx="0">
+            <a:schemeClr val="dk1"/>
+          </a:effectRef>
+          <a:fontRef idx="minor">
+            <a:schemeClr val="dk1"/>
+          </a:fontRef>
+        </p:style>
+        <p:txBody>
+          <a:bodyPr rtlCol="0" anchor="ctr"/>
+          <a:lstStyle/>
+          <a:p>
+            <a:pPr algn="ctr"/>
+            <a:r>
+              <a:rPr kumimoji="1" lang="ja-JP" altLang="en-US" sz="2400" b="1" dirty="0"/>
+              <a:t>あそびかた</a:t>
+            </a:r>
+          </a:p>
+        </p:txBody>
+      </p:sp>
+      <p:sp>
+        <p:nvSpPr>
+          <p:cNvPr id="3" name="正方形/長方形 2">
+            <a:extLst>
+              <a:ext uri="{FF2B5EF4-FFF2-40B4-BE49-F238E27FC236}">
+                <a16:creationId xmlns:a16="http://schemas.microsoft.com/office/drawing/2014/main" id="{533A5E48-41FE-48C7-9AD2-55E5033DC319}"/>
+              </a:ext>
+            </a:extLst>
+          </p:cNvPr>
+          <p:cNvSpPr/>
+          <p:nvPr/>
+        </p:nvSpPr>
+        <p:spPr>
+          <a:xfrm>
+            <a:off x="430823" y="1600200"/>
+            <a:ext cx="3886200" cy="5037992"/>
+          </a:xfrm>
+          <a:prstGeom prst="rect">
+            <a:avLst/>
+          </a:prstGeom>
+          <a:ln w="76200">
+            <a:solidFill>
+              <a:schemeClr val="accent2"/>
+            </a:solidFill>
+          </a:ln>
+        </p:spPr>
+        <p:style>
+          <a:lnRef idx="2">
+            <a:schemeClr val="accent4"/>
+          </a:lnRef>
+          <a:fillRef idx="1">
+            <a:schemeClr val="lt1"/>
+          </a:fillRef>
+          <a:effectRef idx="0">
+            <a:schemeClr val="accent4"/>
+          </a:effectRef>
+          <a:fontRef idx="minor">
+            <a:schemeClr val="dk1"/>
+          </a:fontRef>
+        </p:style>
+        <p:txBody>
+          <a:bodyPr rtlCol="0" anchor="ctr"/>
+          <a:lstStyle/>
+          <a:p>
+            <a:pPr algn="ctr"/>
+            <a:endParaRPr kumimoji="1" lang="ja-JP" altLang="en-US"/>
+          </a:p>
+        </p:txBody>
+      </p:sp>
+      <p:sp>
+        <p:nvSpPr>
+          <p:cNvPr id="4" name="正方形/長方形 3">
+            <a:extLst>
+              <a:ext uri="{FF2B5EF4-FFF2-40B4-BE49-F238E27FC236}">
+                <a16:creationId xmlns:a16="http://schemas.microsoft.com/office/drawing/2014/main" id="{724E4706-82E5-4B41-A257-9F062AC4BAEB}"/>
+              </a:ext>
+            </a:extLst>
+          </p:cNvPr>
+          <p:cNvSpPr/>
+          <p:nvPr/>
+        </p:nvSpPr>
+        <p:spPr>
+          <a:xfrm>
+            <a:off x="211015" y="1292469"/>
+            <a:ext cx="2602523" cy="738554"/>
+          </a:xfrm>
+          <a:prstGeom prst="rect">
+            <a:avLst/>
+          </a:prstGeom>
+          <a:ln w="76200">
+            <a:solidFill>
+              <a:schemeClr val="accent2"/>
+            </a:solidFill>
+          </a:ln>
+        </p:spPr>
+        <p:style>
+          <a:lnRef idx="2">
+            <a:schemeClr val="accent4"/>
+          </a:lnRef>
+          <a:fillRef idx="1">
+            <a:schemeClr val="lt1"/>
+          </a:fillRef>
+          <a:effectRef idx="0">
+            <a:schemeClr val="accent4"/>
+          </a:effectRef>
+          <a:fontRef idx="minor">
+            <a:schemeClr val="dk1"/>
+          </a:fontRef>
+        </p:style>
+        <p:txBody>
+          <a:bodyPr rtlCol="0" anchor="ctr"/>
+          <a:lstStyle/>
+          <a:p>
+            <a:pPr algn="ctr"/>
+            <a:r>
+              <a:rPr kumimoji="1" lang="ja-JP" altLang="en-US" sz="2000" b="1" dirty="0"/>
+              <a:t>肉を食べつくせ！</a:t>
+            </a:r>
+          </a:p>
+        </p:txBody>
+      </p:sp>
+      <p:sp>
+        <p:nvSpPr>
+          <p:cNvPr id="6" name="正方形/長方形 5">
+            <a:extLst>
+              <a:ext uri="{FF2B5EF4-FFF2-40B4-BE49-F238E27FC236}">
+                <a16:creationId xmlns:a16="http://schemas.microsoft.com/office/drawing/2014/main" id="{07747265-F197-4EFF-870D-39CF07752B30}"/>
+              </a:ext>
+            </a:extLst>
+          </p:cNvPr>
+          <p:cNvSpPr/>
+          <p:nvPr/>
+        </p:nvSpPr>
+        <p:spPr>
+          <a:xfrm>
+            <a:off x="5410202" y="1292469"/>
+            <a:ext cx="2602523" cy="738554"/>
+          </a:xfrm>
+          <a:prstGeom prst="rect">
+            <a:avLst/>
+          </a:prstGeom>
+          <a:ln w="76200">
+            <a:solidFill>
+              <a:srgbClr val="FF0000"/>
+            </a:solidFill>
+          </a:ln>
+        </p:spPr>
+        <p:style>
+          <a:lnRef idx="2">
+            <a:schemeClr val="accent2"/>
+          </a:lnRef>
+          <a:fillRef idx="1">
+            <a:schemeClr val="lt1"/>
+          </a:fillRef>
+          <a:effectRef idx="0">
+            <a:schemeClr val="accent2"/>
+          </a:effectRef>
+          <a:fontRef idx="minor">
+            <a:schemeClr val="dk1"/>
+          </a:fontRef>
+        </p:style>
+        <p:txBody>
+          <a:bodyPr rtlCol="0" anchor="ctr"/>
+          <a:lstStyle/>
+          <a:p>
+            <a:pPr algn="ctr"/>
+            <a:r>
+              <a:rPr kumimoji="1" lang="ja-JP" altLang="en-US" sz="2400" b="1" dirty="0"/>
+              <a:t>デビルを倒せ！</a:t>
+            </a:r>
+          </a:p>
+        </p:txBody>
+      </p:sp>
+      <p:sp>
+        <p:nvSpPr>
+          <p:cNvPr id="7" name="矢印: 右 6">
+            <a:extLst>
+              <a:ext uri="{FF2B5EF4-FFF2-40B4-BE49-F238E27FC236}">
+                <a16:creationId xmlns:a16="http://schemas.microsoft.com/office/drawing/2014/main" id="{E4117C20-80BB-4974-B5C4-92525AF02D53}"/>
+              </a:ext>
+            </a:extLst>
+          </p:cNvPr>
+          <p:cNvSpPr/>
+          <p:nvPr/>
+        </p:nvSpPr>
+        <p:spPr>
+          <a:xfrm>
+            <a:off x="4632530" y="4574208"/>
+            <a:ext cx="659423" cy="1688123"/>
+          </a:xfrm>
+          <a:prstGeom prst="rightArrow">
+            <a:avLst/>
+          </a:prstGeom>
+          <a:solidFill>
+            <a:srgbClr val="FF0000"/>
+          </a:solidFill>
+          <a:ln w="57150">
+            <a:solidFill>
+              <a:srgbClr val="FFFF00"/>
+            </a:solidFill>
+          </a:ln>
+        </p:spPr>
+        <p:style>
+          <a:lnRef idx="2">
+            <a:schemeClr val="accent1">
+              <a:shade val="50000"/>
+            </a:schemeClr>
+          </a:lnRef>
+          <a:fillRef idx="1">
+            <a:schemeClr val="accent1"/>
+          </a:fillRef>
+          <a:effectRef idx="0">
+            <a:schemeClr val="accent1"/>
+          </a:effectRef>
+          <a:fontRef idx="minor">
+            <a:schemeClr val="lt1"/>
+          </a:fontRef>
+        </p:style>
+        <p:txBody>
+          <a:bodyPr rtlCol="0" anchor="ctr"/>
+          <a:lstStyle/>
+          <a:p>
+            <a:pPr algn="ctr"/>
+            <a:endParaRPr kumimoji="1" lang="ja-JP" altLang="en-US"/>
+          </a:p>
+        </p:txBody>
+      </p:sp>
+      <p:pic>
+        <p:nvPicPr>
+          <p:cNvPr id="19" name="図 18">
+            <a:extLst>
+              <a:ext uri="{FF2B5EF4-FFF2-40B4-BE49-F238E27FC236}">
+                <a16:creationId xmlns:a16="http://schemas.microsoft.com/office/drawing/2014/main" id="{94B13624-AB55-4C80-8822-240097190759}"/>
+              </a:ext>
+            </a:extLst>
+          </p:cNvPr>
+          <p:cNvPicPr>
+            <a:picLocks noChangeAspect="1"/>
+          </p:cNvPicPr>
+          <p:nvPr/>
+        </p:nvPicPr>
+        <p:blipFill>
+          <a:blip r:embed="rId4">
+            <a:extLst>
+              <a:ext uri="{28A0092B-C50C-407E-A947-70E740481C1C}">
+                <a14:useLocalDpi xmlns:a14="http://schemas.microsoft.com/office/drawing/2010/main" val="0"/>
+              </a:ext>
+            </a:extLst>
+          </a:blip>
+          <a:stretch>
+            <a:fillRect/>
+          </a:stretch>
+        </p:blipFill>
+        <p:spPr>
+          <a:xfrm>
+            <a:off x="6591718" y="2158327"/>
+            <a:ext cx="2015537" cy="1570440"/>
+          </a:xfrm>
+          <a:prstGeom prst="rect">
+            <a:avLst/>
+          </a:prstGeom>
+        </p:spPr>
+      </p:pic>
+      <p:pic>
+        <p:nvPicPr>
+          <p:cNvPr id="21" name="図 20">
+            <a:extLst>
+              <a:ext uri="{FF2B5EF4-FFF2-40B4-BE49-F238E27FC236}">
+                <a16:creationId xmlns:a16="http://schemas.microsoft.com/office/drawing/2014/main" id="{3BF8AE5D-A00F-459C-B2D8-B2EF94CF7A3E}"/>
+              </a:ext>
+            </a:extLst>
+          </p:cNvPr>
+          <p:cNvPicPr>
+            <a:picLocks noChangeAspect="1"/>
+          </p:cNvPicPr>
+          <p:nvPr/>
+        </p:nvPicPr>
+        <p:blipFill>
+          <a:blip r:embed="rId5">
+            <a:extLst>
+              <a:ext uri="{28A0092B-C50C-407E-A947-70E740481C1C}">
+                <a14:useLocalDpi xmlns:a14="http://schemas.microsoft.com/office/drawing/2010/main" val="0"/>
+              </a:ext>
+            </a:extLst>
+          </a:blip>
+          <a:stretch>
+            <a:fillRect/>
+          </a:stretch>
+        </p:blipFill>
+        <p:spPr>
+          <a:xfrm>
+            <a:off x="7906852" y="3634118"/>
+            <a:ext cx="1635735" cy="1371686"/>
+          </a:xfrm>
+          <a:prstGeom prst="rect">
+            <a:avLst/>
+          </a:prstGeom>
+          <a:effectLst>
+            <a:glow rad="101600">
+              <a:srgbClr val="FFFF00">
+                <a:alpha val="40000"/>
+              </a:srgbClr>
+            </a:glow>
+          </a:effectLst>
+        </p:spPr>
+      </p:pic>
+      <p:pic>
+        <p:nvPicPr>
+          <p:cNvPr id="23" name="図 22">
+            <a:extLst>
+              <a:ext uri="{FF2B5EF4-FFF2-40B4-BE49-F238E27FC236}">
+                <a16:creationId xmlns:a16="http://schemas.microsoft.com/office/drawing/2014/main" id="{9AF5ABFD-CAC5-4E38-9086-CCD81A2A4162}"/>
+              </a:ext>
+            </a:extLst>
+          </p:cNvPr>
+          <p:cNvPicPr>
+            <a:picLocks noChangeAspect="1"/>
+          </p:cNvPicPr>
+          <p:nvPr/>
+        </p:nvPicPr>
+        <p:blipFill rotWithShape="1">
+          <a:blip r:embed="rId6">
+            <a:extLst>
+              <a:ext uri="{28A0092B-C50C-407E-A947-70E740481C1C}">
+                <a14:useLocalDpi xmlns:a14="http://schemas.microsoft.com/office/drawing/2010/main" val="0"/>
+              </a:ext>
+            </a:extLst>
+          </a:blip>
+          <a:srcRect l="9348" t="14563" r="15871" b="5444"/>
+          <a:stretch/>
+        </p:blipFill>
+        <p:spPr>
+          <a:xfrm>
+            <a:off x="5964068" y="3921868"/>
+            <a:ext cx="1040792" cy="730052"/>
+          </a:xfrm>
+          <a:prstGeom prst="rect">
+            <a:avLst/>
+          </a:prstGeom>
+          <a:effectLst>
+            <a:glow rad="101600">
+              <a:srgbClr val="FFFF00">
+                <a:alpha val="40000"/>
+              </a:srgbClr>
+            </a:glow>
+          </a:effectLst>
+        </p:spPr>
+      </p:pic>
+      <p:sp>
+        <p:nvSpPr>
+          <p:cNvPr id="27" name="正方形/長方形 26">
+            <a:extLst>
+              <a:ext uri="{FF2B5EF4-FFF2-40B4-BE49-F238E27FC236}">
+                <a16:creationId xmlns:a16="http://schemas.microsoft.com/office/drawing/2014/main" id="{225C712B-5B87-4A33-A06C-AAAE5FE66725}"/>
+              </a:ext>
+            </a:extLst>
+          </p:cNvPr>
+          <p:cNvSpPr/>
+          <p:nvPr/>
+        </p:nvSpPr>
+        <p:spPr>
+          <a:xfrm>
+            <a:off x="656491" y="2184578"/>
+            <a:ext cx="3354905" cy="2964451"/>
+          </a:xfrm>
+          <a:prstGeom prst="rect">
+            <a:avLst/>
+          </a:prstGeom>
+          <a:solidFill>
+            <a:srgbClr val="FF0000"/>
+          </a:solidFill>
+          <a:ln w="76200">
+            <a:solidFill>
+              <a:srgbClr val="FF0000"/>
+            </a:solidFill>
+          </a:ln>
+        </p:spPr>
+        <p:style>
+          <a:lnRef idx="2">
+            <a:schemeClr val="accent4"/>
+          </a:lnRef>
+          <a:fillRef idx="1">
+            <a:schemeClr val="lt1"/>
+          </a:fillRef>
+          <a:effectRef idx="0">
+            <a:schemeClr val="accent4"/>
+          </a:effectRef>
+          <a:fontRef idx="minor">
+            <a:schemeClr val="dk1"/>
+          </a:fontRef>
+        </p:style>
+        <p:txBody>
+          <a:bodyPr rtlCol="0" anchor="ctr"/>
+          <a:lstStyle/>
+          <a:p>
+            <a:pPr algn="ctr"/>
+            <a:endParaRPr kumimoji="1" lang="ja-JP" altLang="en-US"/>
+          </a:p>
+        </p:txBody>
+      </p:sp>
+      <p:pic>
+        <p:nvPicPr>
+          <p:cNvPr id="13" name="図 12">
+            <a:extLst>
+              <a:ext uri="{FF2B5EF4-FFF2-40B4-BE49-F238E27FC236}">
+                <a16:creationId xmlns:a16="http://schemas.microsoft.com/office/drawing/2014/main" id="{F868D3C3-B603-45C3-A7A2-88AF95AF4B94}"/>
+              </a:ext>
+            </a:extLst>
+          </p:cNvPr>
+          <p:cNvPicPr>
+            <a:picLocks noChangeAspect="1"/>
+          </p:cNvPicPr>
+          <p:nvPr/>
+        </p:nvPicPr>
+        <p:blipFill>
+          <a:blip r:embed="rId7">
+            <a:extLst>
+              <a:ext uri="{28A0092B-C50C-407E-A947-70E740481C1C}">
+                <a14:useLocalDpi xmlns:a14="http://schemas.microsoft.com/office/drawing/2010/main" val="0"/>
+              </a:ext>
+            </a:extLst>
+          </a:blip>
+          <a:stretch>
+            <a:fillRect/>
+          </a:stretch>
+        </p:blipFill>
+        <p:spPr>
+          <a:xfrm>
+            <a:off x="855878" y="2273281"/>
+            <a:ext cx="1113502" cy="1113502"/>
+          </a:xfrm>
+          <a:prstGeom prst="rect">
+            <a:avLst/>
+          </a:prstGeom>
+        </p:spPr>
+      </p:pic>
+      <p:sp>
+        <p:nvSpPr>
+          <p:cNvPr id="28" name="正方形/長方形 27">
+            <a:extLst>
+              <a:ext uri="{FF2B5EF4-FFF2-40B4-BE49-F238E27FC236}">
+                <a16:creationId xmlns:a16="http://schemas.microsoft.com/office/drawing/2014/main" id="{A924D78E-3FF7-4DF4-B248-0DB2A102D41D}"/>
+              </a:ext>
+            </a:extLst>
+          </p:cNvPr>
+          <p:cNvSpPr/>
+          <p:nvPr/>
+        </p:nvSpPr>
+        <p:spPr>
+          <a:xfrm>
+            <a:off x="656490" y="5345113"/>
+            <a:ext cx="3354906" cy="1082064"/>
+          </a:xfrm>
+          <a:prstGeom prst="rect">
+            <a:avLst/>
+          </a:prstGeom>
+          <a:solidFill>
+            <a:srgbClr val="FFFF00"/>
+          </a:solidFill>
+          <a:ln w="76200">
+            <a:solidFill>
+              <a:schemeClr val="tx1"/>
+            </a:solidFill>
+          </a:ln>
+        </p:spPr>
+        <p:style>
+          <a:lnRef idx="2">
+            <a:schemeClr val="accent4"/>
+          </a:lnRef>
+          <a:fillRef idx="1">
+            <a:schemeClr val="lt1"/>
+          </a:fillRef>
+          <a:effectRef idx="0">
+            <a:schemeClr val="accent4"/>
+          </a:effectRef>
+          <a:fontRef idx="minor">
+            <a:schemeClr val="dk1"/>
+          </a:fontRef>
+        </p:style>
+        <p:txBody>
+          <a:bodyPr rtlCol="0" anchor="ctr"/>
+          <a:lstStyle/>
+          <a:p>
+            <a:pPr algn="ctr"/>
+            <a:endParaRPr kumimoji="1" lang="ja-JP" altLang="en-US"/>
+          </a:p>
+        </p:txBody>
+      </p:sp>
+      <p:pic>
+        <p:nvPicPr>
+          <p:cNvPr id="9" name="図 8">
+            <a:extLst>
+              <a:ext uri="{FF2B5EF4-FFF2-40B4-BE49-F238E27FC236}">
+                <a16:creationId xmlns:a16="http://schemas.microsoft.com/office/drawing/2014/main" id="{869954F8-8F96-4A9F-94B7-6AD62330A36A}"/>
+              </a:ext>
+            </a:extLst>
+          </p:cNvPr>
+          <p:cNvPicPr>
+            <a:picLocks noChangeAspect="1"/>
+          </p:cNvPicPr>
+          <p:nvPr/>
+        </p:nvPicPr>
+        <p:blipFill>
+          <a:blip r:embed="rId8">
+            <a:extLst>
+              <a:ext uri="{28A0092B-C50C-407E-A947-70E740481C1C}">
+                <a14:useLocalDpi xmlns:a14="http://schemas.microsoft.com/office/drawing/2010/main" val="0"/>
+              </a:ext>
+            </a:extLst>
+          </a:blip>
+          <a:stretch>
+            <a:fillRect/>
+          </a:stretch>
+        </p:blipFill>
+        <p:spPr>
+          <a:xfrm rot="13337755">
+            <a:off x="716102" y="5407580"/>
+            <a:ext cx="1120600" cy="910488"/>
+          </a:xfrm>
+          <a:prstGeom prst="rect">
+            <a:avLst/>
+          </a:prstGeom>
+        </p:spPr>
+      </p:pic>
+      <p:sp>
+        <p:nvSpPr>
+          <p:cNvPr id="29" name="テキスト ボックス 28">
+            <a:extLst>
+              <a:ext uri="{FF2B5EF4-FFF2-40B4-BE49-F238E27FC236}">
+                <a16:creationId xmlns:a16="http://schemas.microsoft.com/office/drawing/2014/main" id="{0FE494C2-5572-4637-BBFB-715BF1B8393F}"/>
+              </a:ext>
+            </a:extLst>
+          </p:cNvPr>
+          <p:cNvSpPr txBox="1"/>
+          <p:nvPr/>
+        </p:nvSpPr>
+        <p:spPr>
+          <a:xfrm>
+            <a:off x="1997206" y="2564137"/>
+            <a:ext cx="2047905" cy="646331"/>
+          </a:xfrm>
+          <a:prstGeom prst="rect">
+            <a:avLst/>
+          </a:prstGeom>
+          <a:noFill/>
+        </p:spPr>
+        <p:txBody>
+          <a:bodyPr wrap="square" rtlCol="0">
+            <a:spAutoFit/>
+          </a:bodyPr>
+          <a:lstStyle/>
+          <a:p>
+            <a:pPr algn="ctr"/>
+            <a:r>
+              <a:rPr kumimoji="1" lang="ja-JP" altLang="en-US" b="1" dirty="0">
+                <a:solidFill>
+                  <a:schemeClr val="bg1"/>
+                </a:solidFill>
+              </a:rPr>
+              <a:t>オーブを</a:t>
+            </a:r>
+            <a:endParaRPr kumimoji="1" lang="en-US" altLang="ja-JP" b="1" dirty="0">
+              <a:solidFill>
+                <a:schemeClr val="bg1"/>
+              </a:solidFill>
+            </a:endParaRPr>
+          </a:p>
+          <a:p>
+            <a:pPr algn="ctr"/>
+            <a:r>
+              <a:rPr kumimoji="1" lang="ja-JP" altLang="en-US" b="1" dirty="0">
+                <a:solidFill>
+                  <a:schemeClr val="bg1"/>
+                </a:solidFill>
+              </a:rPr>
+              <a:t>持っている間だけ</a:t>
+            </a:r>
+          </a:p>
+        </p:txBody>
+      </p:sp>
+      <p:sp>
+        <p:nvSpPr>
+          <p:cNvPr id="24" name="テキスト ボックス 23">
+            <a:extLst>
+              <a:ext uri="{FF2B5EF4-FFF2-40B4-BE49-F238E27FC236}">
+                <a16:creationId xmlns:a16="http://schemas.microsoft.com/office/drawing/2014/main" id="{AE246372-D678-47E4-AC46-887368B268FE}"/>
+              </a:ext>
+            </a:extLst>
+          </p:cNvPr>
+          <p:cNvSpPr txBox="1"/>
+          <p:nvPr/>
+        </p:nvSpPr>
+        <p:spPr>
+          <a:xfrm>
+            <a:off x="1948264" y="5424480"/>
+            <a:ext cx="1943566" cy="923330"/>
+          </a:xfrm>
+          <a:prstGeom prst="rect">
+            <a:avLst/>
+          </a:prstGeom>
+          <a:noFill/>
+        </p:spPr>
+        <p:txBody>
+          <a:bodyPr wrap="square" rtlCol="0">
+            <a:spAutoFit/>
+          </a:bodyPr>
+          <a:lstStyle/>
+          <a:p>
+            <a:pPr algn="ctr"/>
+            <a:r>
+              <a:rPr kumimoji="1" lang="ja-JP" altLang="en-US" b="1" dirty="0"/>
+              <a:t>全部の肉を</a:t>
+            </a:r>
+            <a:endParaRPr kumimoji="1" lang="en-US" altLang="ja-JP" b="1" dirty="0"/>
+          </a:p>
+          <a:p>
+            <a:pPr algn="ctr"/>
+            <a:r>
+              <a:rPr kumimoji="1" lang="ja-JP" altLang="en-US" b="1" dirty="0"/>
+              <a:t>食べたら</a:t>
+            </a:r>
+            <a:endParaRPr kumimoji="1" lang="en-US" altLang="ja-JP" b="1" dirty="0"/>
+          </a:p>
+          <a:p>
+            <a:pPr algn="ctr"/>
+            <a:r>
+              <a:rPr kumimoji="1" lang="ja-JP" altLang="en-US" b="1" dirty="0"/>
+              <a:t>次のステップへ</a:t>
+            </a:r>
+          </a:p>
+        </p:txBody>
+      </p:sp>
+      <p:sp>
+        <p:nvSpPr>
+          <p:cNvPr id="31" name="矢印: 右 30">
+            <a:extLst>
+              <a:ext uri="{FF2B5EF4-FFF2-40B4-BE49-F238E27FC236}">
+                <a16:creationId xmlns:a16="http://schemas.microsoft.com/office/drawing/2014/main" id="{16F948A1-15D2-4A8C-BEF4-49A6FB7FA0F6}"/>
+              </a:ext>
+            </a:extLst>
+          </p:cNvPr>
+          <p:cNvSpPr/>
+          <p:nvPr/>
+        </p:nvSpPr>
+        <p:spPr>
+          <a:xfrm>
+            <a:off x="7192522" y="4166693"/>
+            <a:ext cx="591237" cy="462784"/>
+          </a:xfrm>
+          <a:prstGeom prst="rightArrow">
+            <a:avLst/>
+          </a:prstGeom>
+          <a:solidFill>
+            <a:srgbClr val="FF0000"/>
+          </a:solidFill>
+          <a:ln>
+            <a:noFill/>
+          </a:ln>
+          <a:effectLst>
+            <a:glow rad="101600">
+              <a:srgbClr val="FFFF00">
+                <a:alpha val="40000"/>
+              </a:srgbClr>
+            </a:glow>
+          </a:effectLst>
+        </p:spPr>
+        <p:style>
+          <a:lnRef idx="2">
+            <a:schemeClr val="accent1">
+              <a:shade val="50000"/>
+            </a:schemeClr>
+          </a:lnRef>
+          <a:fillRef idx="1">
+            <a:schemeClr val="accent1"/>
+          </a:fillRef>
+          <a:effectRef idx="0">
+            <a:schemeClr val="accent1"/>
+          </a:effectRef>
+          <a:fontRef idx="minor">
+            <a:schemeClr val="lt1"/>
+          </a:fontRef>
+        </p:style>
+        <p:txBody>
+          <a:bodyPr rtlCol="0" anchor="ctr"/>
+          <a:lstStyle/>
+          <a:p>
+            <a:pPr algn="ctr"/>
+            <a:endParaRPr kumimoji="1" lang="ja-JP" altLang="en-US"/>
+          </a:p>
+        </p:txBody>
+      </p:sp>
+      <p:sp>
+        <p:nvSpPr>
+          <p:cNvPr id="32" name="テキスト ボックス 31">
+            <a:extLst>
+              <a:ext uri="{FF2B5EF4-FFF2-40B4-BE49-F238E27FC236}">
+                <a16:creationId xmlns:a16="http://schemas.microsoft.com/office/drawing/2014/main" id="{9D1B505E-2C3E-4386-B734-5B2335D001B0}"/>
+              </a:ext>
+            </a:extLst>
+          </p:cNvPr>
+          <p:cNvSpPr txBox="1"/>
+          <p:nvPr/>
+        </p:nvSpPr>
+        <p:spPr>
+          <a:xfrm>
+            <a:off x="7158590" y="3650083"/>
+            <a:ext cx="659100" cy="584775"/>
+          </a:xfrm>
+          <a:prstGeom prst="rect">
+            <a:avLst/>
+          </a:prstGeom>
+          <a:noFill/>
+          <a:effectLst/>
+        </p:spPr>
+        <p:txBody>
+          <a:bodyPr wrap="square" rtlCol="0">
+            <a:spAutoFit/>
+          </a:bodyPr>
+          <a:lstStyle/>
+          <a:p>
+            <a:pPr algn="ctr"/>
+            <a:r>
+              <a:rPr kumimoji="1" lang="en-US" altLang="ja-JP" sz="3200" b="1" dirty="0">
+                <a:ln w="25400">
+                  <a:solidFill>
+                    <a:srgbClr val="FF0000"/>
+                  </a:solidFill>
+                </a:ln>
+                <a:solidFill>
+                  <a:srgbClr val="FFFF00"/>
+                </a:solidFill>
+                <a:effectLst>
+                  <a:glow rad="101600">
+                    <a:srgbClr val="FFFF00">
+                      <a:alpha val="40000"/>
+                    </a:srgbClr>
+                  </a:glow>
+                </a:effectLst>
+                <a:latin typeface="Bookman Old Style" panose="02050604050505020204" pitchFamily="18" charset="0"/>
+              </a:rPr>
+              <a:t>IN</a:t>
+            </a:r>
+            <a:endParaRPr kumimoji="1" lang="ja-JP" altLang="en-US" sz="3200" b="1" dirty="0">
+              <a:ln w="25400">
+                <a:solidFill>
+                  <a:srgbClr val="FF0000"/>
+                </a:solidFill>
+              </a:ln>
+              <a:solidFill>
+                <a:srgbClr val="FFFF00"/>
+              </a:solidFill>
+              <a:effectLst>
+                <a:glow rad="101600">
+                  <a:srgbClr val="FFFF00">
+                    <a:alpha val="40000"/>
+                  </a:srgbClr>
+                </a:glow>
+              </a:effectLst>
+              <a:latin typeface="Bookman Old Style" panose="02050604050505020204" pitchFamily="18" charset="0"/>
+            </a:endParaRPr>
+          </a:p>
+        </p:txBody>
+      </p:sp>
+      <p:grpSp>
+        <p:nvGrpSpPr>
+          <p:cNvPr id="36" name="グループ化 35">
+            <a:extLst>
+              <a:ext uri="{FF2B5EF4-FFF2-40B4-BE49-F238E27FC236}">
+                <a16:creationId xmlns:a16="http://schemas.microsoft.com/office/drawing/2014/main" id="{BBB4C19E-7366-42D8-B053-365C0A2933D8}"/>
+              </a:ext>
+            </a:extLst>
+          </p:cNvPr>
+          <p:cNvGrpSpPr/>
+          <p:nvPr/>
+        </p:nvGrpSpPr>
+        <p:grpSpPr>
+          <a:xfrm>
+            <a:off x="5897596" y="5403326"/>
+            <a:ext cx="1867692" cy="1107996"/>
+            <a:chOff x="6066272" y="5455860"/>
+            <a:chExt cx="1867692" cy="1107996"/>
+          </a:xfrm>
+        </p:grpSpPr>
+        <p:pic>
+          <p:nvPicPr>
+            <p:cNvPr id="33" name="図 32">
+              <a:extLst>
+                <a:ext uri="{FF2B5EF4-FFF2-40B4-BE49-F238E27FC236}">
+                  <a16:creationId xmlns:a16="http://schemas.microsoft.com/office/drawing/2014/main" id="{0E1C74E3-EB09-4A7B-B87A-ADDD95A174D3}"/>
+                </a:ext>
+              </a:extLst>
+            </p:cNvPr>
+            <p:cNvPicPr>
+              <a:picLocks noChangeAspect="1"/>
+            </p:cNvPicPr>
+            <p:nvPr/>
+          </p:nvPicPr>
+          <p:blipFill rotWithShape="1">
+            <a:blip r:embed="rId6">
+              <a:extLst>
+                <a:ext uri="{28A0092B-C50C-407E-A947-70E740481C1C}">
+                  <a14:useLocalDpi xmlns:a14="http://schemas.microsoft.com/office/drawing/2010/main" val="0"/>
+                </a:ext>
+              </a:extLst>
+            </a:blip>
+            <a:srcRect l="9348" t="14563" r="15871" b="5444"/>
+            <a:stretch/>
+          </p:blipFill>
+          <p:spPr>
+            <a:xfrm rot="2015752">
+              <a:off x="6066272" y="5681189"/>
+              <a:ext cx="708899" cy="497249"/>
+            </a:xfrm>
+            <a:prstGeom prst="rect">
+              <a:avLst/>
+            </a:prstGeom>
+          </p:spPr>
+        </p:pic>
+        <p:sp>
+          <p:nvSpPr>
+            <p:cNvPr id="34" name="テキスト ボックス 33">
+              <a:extLst>
+                <a:ext uri="{FF2B5EF4-FFF2-40B4-BE49-F238E27FC236}">
+                  <a16:creationId xmlns:a16="http://schemas.microsoft.com/office/drawing/2014/main" id="{67E9F989-041C-463B-8082-4A55FEF7AD3E}"/>
+                </a:ext>
+              </a:extLst>
+            </p:cNvPr>
+            <p:cNvSpPr txBox="1"/>
+            <p:nvPr/>
+          </p:nvSpPr>
+          <p:spPr>
+            <a:xfrm>
+              <a:off x="6590503" y="5777729"/>
+              <a:ext cx="659101" cy="707886"/>
+            </a:xfrm>
+            <a:prstGeom prst="rect">
+              <a:avLst/>
+            </a:prstGeom>
+            <a:noFill/>
+          </p:spPr>
+          <p:txBody>
+            <a:bodyPr wrap="square" rtlCol="0">
+              <a:spAutoFit/>
+            </a:bodyPr>
+            <a:lstStyle/>
+            <a:p>
+              <a:r>
+                <a:rPr kumimoji="1" lang="en-US" altLang="ja-JP" sz="4000" dirty="0"/>
+                <a:t>×</a:t>
+              </a:r>
+              <a:endParaRPr kumimoji="1" lang="ja-JP" altLang="en-US" sz="4000" dirty="0"/>
+            </a:p>
+          </p:txBody>
+        </p:sp>
+        <p:sp>
+          <p:nvSpPr>
+            <p:cNvPr id="35" name="テキスト ボックス 34">
+              <a:extLst>
+                <a:ext uri="{FF2B5EF4-FFF2-40B4-BE49-F238E27FC236}">
+                  <a16:creationId xmlns:a16="http://schemas.microsoft.com/office/drawing/2014/main" id="{7E64C719-AB40-48DD-B4FB-D92767FEA112}"/>
+                </a:ext>
+              </a:extLst>
+            </p:cNvPr>
+            <p:cNvSpPr txBox="1"/>
+            <p:nvPr/>
+          </p:nvSpPr>
+          <p:spPr>
+            <a:xfrm>
+              <a:off x="6859252" y="5455860"/>
+              <a:ext cx="1074712" cy="1107996"/>
+            </a:xfrm>
+            <a:prstGeom prst="rect">
+              <a:avLst/>
+            </a:prstGeom>
+            <a:noFill/>
+          </p:spPr>
+          <p:txBody>
+            <a:bodyPr wrap="square" rtlCol="0">
+              <a:spAutoFit/>
+            </a:bodyPr>
+            <a:lstStyle/>
+            <a:p>
+              <a:r>
+                <a:rPr kumimoji="1" lang="ja-JP" altLang="en-US" sz="6600" dirty="0"/>
+                <a:t>４</a:t>
+              </a:r>
+            </a:p>
+          </p:txBody>
+        </p:sp>
+      </p:grpSp>
+      <p:sp>
+        <p:nvSpPr>
+          <p:cNvPr id="37" name="テキスト ボックス 36">
+            <a:extLst>
+              <a:ext uri="{FF2B5EF4-FFF2-40B4-BE49-F238E27FC236}">
+                <a16:creationId xmlns:a16="http://schemas.microsoft.com/office/drawing/2014/main" id="{4316C9DF-AD3F-485C-B1F2-6D12F1438BE6}"/>
+              </a:ext>
+            </a:extLst>
+          </p:cNvPr>
+          <p:cNvSpPr txBox="1"/>
+          <p:nvPr/>
+        </p:nvSpPr>
+        <p:spPr>
+          <a:xfrm>
+            <a:off x="7702062" y="5631017"/>
+            <a:ext cx="1635735" cy="646331"/>
+          </a:xfrm>
+          <a:prstGeom prst="rect">
+            <a:avLst/>
+          </a:prstGeom>
+          <a:noFill/>
+        </p:spPr>
+        <p:txBody>
+          <a:bodyPr wrap="square" rtlCol="0">
+            <a:spAutoFit/>
+          </a:bodyPr>
+          <a:lstStyle/>
+          <a:p>
+            <a:pPr algn="ctr"/>
+            <a:r>
+              <a:rPr kumimoji="1" lang="ja-JP" altLang="en-US" b="1" dirty="0"/>
+              <a:t>全て差し込むとクリア！</a:t>
+            </a:r>
+          </a:p>
+        </p:txBody>
+      </p:sp>
+      <p:sp>
+        <p:nvSpPr>
+          <p:cNvPr id="38" name="テキスト ボックス 37">
+            <a:extLst>
+              <a:ext uri="{FF2B5EF4-FFF2-40B4-BE49-F238E27FC236}">
+                <a16:creationId xmlns:a16="http://schemas.microsoft.com/office/drawing/2014/main" id="{B2C801FA-5D22-41F7-B2F2-3ED77ED30F23}"/>
+              </a:ext>
+            </a:extLst>
+          </p:cNvPr>
+          <p:cNvSpPr txBox="1"/>
+          <p:nvPr/>
+        </p:nvSpPr>
+        <p:spPr>
+          <a:xfrm>
+            <a:off x="6088290" y="4923694"/>
+            <a:ext cx="3022391" cy="369332"/>
+          </a:xfrm>
+          <a:prstGeom prst="rect">
+            <a:avLst/>
+          </a:prstGeom>
+          <a:noFill/>
+        </p:spPr>
+        <p:txBody>
+          <a:bodyPr wrap="square" rtlCol="0">
+            <a:spAutoFit/>
+          </a:bodyPr>
+          <a:lstStyle/>
+          <a:p>
+            <a:r>
+              <a:rPr kumimoji="1" lang="ja-JP" altLang="en-US" b="1" dirty="0"/>
+              <a:t>鍵を集めてデビルを倒そう</a:t>
+            </a:r>
+          </a:p>
+        </p:txBody>
+      </p:sp>
+      <p:sp>
+        <p:nvSpPr>
+          <p:cNvPr id="41" name="正方形/長方形 40">
+            <a:extLst>
+              <a:ext uri="{FF2B5EF4-FFF2-40B4-BE49-F238E27FC236}">
+                <a16:creationId xmlns:a16="http://schemas.microsoft.com/office/drawing/2014/main" id="{33AFFE0E-50A0-4022-83D1-BC8B01EA1B2E}"/>
+              </a:ext>
+            </a:extLst>
+          </p:cNvPr>
+          <p:cNvSpPr/>
+          <p:nvPr/>
+        </p:nvSpPr>
+        <p:spPr>
+          <a:xfrm>
+            <a:off x="726294" y="3596539"/>
+            <a:ext cx="1768856" cy="1489166"/>
+          </a:xfrm>
+          <a:prstGeom prst="rect">
+            <a:avLst/>
+          </a:prstGeom>
+          <a:solidFill>
+            <a:schemeClr val="accent2"/>
+          </a:solidFill>
+          <a:ln>
+            <a:solidFill>
+              <a:srgbClr val="FFFF00"/>
+            </a:solidFill>
+          </a:ln>
+        </p:spPr>
+        <p:style>
+          <a:lnRef idx="2">
+            <a:schemeClr val="accent1">
+              <a:shade val="50000"/>
+            </a:schemeClr>
+          </a:lnRef>
+          <a:fillRef idx="1">
+            <a:schemeClr val="accent1"/>
+          </a:fillRef>
+          <a:effectRef idx="0">
+            <a:schemeClr val="accent1"/>
+          </a:effectRef>
+          <a:fontRef idx="minor">
+            <a:schemeClr val="lt1"/>
+          </a:fontRef>
+        </p:style>
+        <p:txBody>
+          <a:bodyPr rtlCol="0" anchor="ctr"/>
+          <a:lstStyle/>
+          <a:p>
+            <a:pPr algn="ctr"/>
+            <a:endParaRPr kumimoji="1" lang="ja-JP" altLang="en-US"/>
+          </a:p>
+        </p:txBody>
+      </p:sp>
+      <p:grpSp>
+        <p:nvGrpSpPr>
+          <p:cNvPr id="42" name="グループ化 41">
+            <a:extLst>
+              <a:ext uri="{FF2B5EF4-FFF2-40B4-BE49-F238E27FC236}">
+                <a16:creationId xmlns:a16="http://schemas.microsoft.com/office/drawing/2014/main" id="{1776D12D-F9EA-463C-8DA0-39C7A641B58D}"/>
+              </a:ext>
+            </a:extLst>
+          </p:cNvPr>
+          <p:cNvGrpSpPr/>
+          <p:nvPr/>
+        </p:nvGrpSpPr>
+        <p:grpSpPr>
+          <a:xfrm>
+            <a:off x="906517" y="3803807"/>
+            <a:ext cx="1447917" cy="766449"/>
+            <a:chOff x="842377" y="3760902"/>
+            <a:chExt cx="1686862" cy="809354"/>
+          </a:xfrm>
+        </p:grpSpPr>
+        <p:pic>
+          <p:nvPicPr>
+            <p:cNvPr id="12" name="図 11">
+              <a:extLst>
+                <a:ext uri="{FF2B5EF4-FFF2-40B4-BE49-F238E27FC236}">
+                  <a16:creationId xmlns:a16="http://schemas.microsoft.com/office/drawing/2014/main" id="{207585CA-520D-422D-B195-8D80FD9FC01D}"/>
+                </a:ext>
+              </a:extLst>
+            </p:cNvPr>
+            <p:cNvPicPr>
+              <a:picLocks noChangeAspect="1"/>
+            </p:cNvPicPr>
+            <p:nvPr/>
+          </p:nvPicPr>
+          <p:blipFill>
+            <a:blip r:embed="rId9">
+              <a:extLst>
+                <a:ext uri="{28A0092B-C50C-407E-A947-70E740481C1C}">
+                  <a14:useLocalDpi xmlns:a14="http://schemas.microsoft.com/office/drawing/2010/main" val="0"/>
+                </a:ext>
+              </a:extLst>
+            </a:blip>
+            <a:stretch>
+              <a:fillRect/>
+            </a:stretch>
+          </p:blipFill>
+          <p:spPr>
+            <a:xfrm>
+              <a:off x="842377" y="3760902"/>
+              <a:ext cx="706517" cy="755103"/>
+            </a:xfrm>
+            <a:prstGeom prst="rect">
+              <a:avLst/>
+            </a:prstGeom>
+            <a:effectLst>
+              <a:glow rad="254000">
+                <a:srgbClr val="FFC000"/>
+              </a:glow>
+            </a:effectLst>
+          </p:spPr>
+        </p:pic>
+        <p:pic>
+          <p:nvPicPr>
+            <p:cNvPr id="25" name="図 24">
+              <a:extLst>
+                <a:ext uri="{FF2B5EF4-FFF2-40B4-BE49-F238E27FC236}">
+                  <a16:creationId xmlns:a16="http://schemas.microsoft.com/office/drawing/2014/main" id="{944C0263-2905-4A65-A1AA-87E0B5EBB64D}"/>
+                </a:ext>
+              </a:extLst>
+            </p:cNvPr>
+            <p:cNvPicPr>
+              <a:picLocks noChangeAspect="1"/>
+            </p:cNvPicPr>
+            <p:nvPr/>
+          </p:nvPicPr>
+          <p:blipFill>
+            <a:blip r:embed="rId10">
+              <a:extLst>
+                <a:ext uri="{28A0092B-C50C-407E-A947-70E740481C1C}">
+                  <a14:useLocalDpi xmlns:a14="http://schemas.microsoft.com/office/drawing/2010/main" val="0"/>
+                </a:ext>
+              </a:extLst>
+            </a:blip>
+            <a:stretch>
+              <a:fillRect/>
+            </a:stretch>
+          </p:blipFill>
+          <p:spPr>
+            <a:xfrm rot="4927196">
+              <a:off x="1448670" y="3838532"/>
+              <a:ext cx="506075" cy="683194"/>
+            </a:xfrm>
+            <a:prstGeom prst="rect">
+              <a:avLst/>
+            </a:prstGeom>
+            <a:effectLst>
+              <a:glow rad="139700">
+                <a:srgbClr val="FFC000"/>
+              </a:glow>
+            </a:effectLst>
+          </p:spPr>
+        </p:pic>
+        <p:pic>
+          <p:nvPicPr>
+            <p:cNvPr id="16" name="図 15">
+              <a:extLst>
+                <a:ext uri="{FF2B5EF4-FFF2-40B4-BE49-F238E27FC236}">
+                  <a16:creationId xmlns:a16="http://schemas.microsoft.com/office/drawing/2014/main" id="{31F1951C-11D5-4056-B7A8-A6795540A28E}"/>
+                </a:ext>
+              </a:extLst>
+            </p:cNvPr>
+            <p:cNvPicPr>
+              <a:picLocks noChangeAspect="1"/>
+            </p:cNvPicPr>
+            <p:nvPr/>
+          </p:nvPicPr>
+          <p:blipFill>
+            <a:blip r:embed="rId11">
+              <a:extLst>
+                <a:ext uri="{28A0092B-C50C-407E-A947-70E740481C1C}">
+                  <a14:useLocalDpi xmlns:a14="http://schemas.microsoft.com/office/drawing/2010/main" val="0"/>
+                </a:ext>
+              </a:extLst>
+            </a:blip>
+            <a:stretch>
+              <a:fillRect/>
+            </a:stretch>
+          </p:blipFill>
+          <p:spPr>
+            <a:xfrm>
+              <a:off x="1885828" y="3815153"/>
+              <a:ext cx="643411" cy="755103"/>
+            </a:xfrm>
+            <a:prstGeom prst="rect">
+              <a:avLst/>
+            </a:prstGeom>
+            <a:effectLst>
+              <a:glow rad="139700">
+                <a:srgbClr val="92D050"/>
+              </a:glow>
+            </a:effectLst>
+          </p:spPr>
+        </p:pic>
+      </p:grpSp>
+      <p:sp>
+        <p:nvSpPr>
+          <p:cNvPr id="17" name="テキスト ボックス 16">
+            <a:extLst>
+              <a:ext uri="{FF2B5EF4-FFF2-40B4-BE49-F238E27FC236}">
+                <a16:creationId xmlns:a16="http://schemas.microsoft.com/office/drawing/2014/main" id="{D5816C0F-505B-4F6D-9BCE-217DC993FDB9}"/>
+              </a:ext>
+            </a:extLst>
+          </p:cNvPr>
+          <p:cNvSpPr txBox="1"/>
+          <p:nvPr/>
+        </p:nvSpPr>
+        <p:spPr>
+          <a:xfrm>
+            <a:off x="726412" y="4712301"/>
+            <a:ext cx="1745676" cy="369332"/>
+          </a:xfrm>
+          <a:prstGeom prst="rect">
+            <a:avLst/>
+          </a:prstGeom>
+          <a:noFill/>
+        </p:spPr>
+        <p:txBody>
+          <a:bodyPr wrap="square" rtlCol="0">
+            <a:spAutoFit/>
+          </a:bodyPr>
+          <a:lstStyle/>
+          <a:p>
+            <a:pPr algn="ctr"/>
+            <a:r>
+              <a:rPr kumimoji="1" lang="ja-JP" altLang="en-US" b="1" dirty="0">
+                <a:solidFill>
+                  <a:schemeClr val="bg1"/>
+                </a:solidFill>
+              </a:rPr>
+              <a:t>攻撃できる</a:t>
+            </a:r>
+          </a:p>
+        </p:txBody>
+      </p:sp>
+      <p:sp>
+        <p:nvSpPr>
+          <p:cNvPr id="43" name="正方形/長方形 42">
+            <a:extLst>
+              <a:ext uri="{FF2B5EF4-FFF2-40B4-BE49-F238E27FC236}">
+                <a16:creationId xmlns:a16="http://schemas.microsoft.com/office/drawing/2014/main" id="{E399392F-3C45-426E-BC16-AD2255D58EC9}"/>
+              </a:ext>
+            </a:extLst>
+          </p:cNvPr>
+          <p:cNvSpPr/>
+          <p:nvPr/>
+        </p:nvSpPr>
+        <p:spPr>
+          <a:xfrm>
+            <a:off x="2531282" y="3599037"/>
+            <a:ext cx="1404354" cy="1489166"/>
+          </a:xfrm>
+          <a:prstGeom prst="rect">
+            <a:avLst/>
+          </a:prstGeom>
+          <a:solidFill>
+            <a:schemeClr val="accent6"/>
+          </a:solidFill>
+          <a:ln>
+            <a:solidFill>
+              <a:srgbClr val="FFFF00"/>
+            </a:solidFill>
+          </a:ln>
+        </p:spPr>
+        <p:style>
+          <a:lnRef idx="2">
+            <a:schemeClr val="accent1">
+              <a:shade val="50000"/>
+            </a:schemeClr>
+          </a:lnRef>
+          <a:fillRef idx="1">
+            <a:schemeClr val="accent1"/>
+          </a:fillRef>
+          <a:effectRef idx="0">
+            <a:schemeClr val="accent1"/>
+          </a:effectRef>
+          <a:fontRef idx="minor">
+            <a:schemeClr val="lt1"/>
+          </a:fontRef>
+        </p:style>
+        <p:txBody>
+          <a:bodyPr rtlCol="0" anchor="ctr"/>
+          <a:lstStyle/>
+          <a:p>
+            <a:pPr algn="ctr"/>
+            <a:endParaRPr kumimoji="1" lang="ja-JP" altLang="en-US"/>
+          </a:p>
+        </p:txBody>
+      </p:sp>
+      <p:grpSp>
+        <p:nvGrpSpPr>
+          <p:cNvPr id="10" name="グループ化 9">
+            <a:extLst>
+              <a:ext uri="{FF2B5EF4-FFF2-40B4-BE49-F238E27FC236}">
+                <a16:creationId xmlns:a16="http://schemas.microsoft.com/office/drawing/2014/main" id="{A0280018-0435-475F-8F78-3AF93B4D745C}"/>
+              </a:ext>
+            </a:extLst>
+          </p:cNvPr>
+          <p:cNvGrpSpPr/>
+          <p:nvPr/>
+        </p:nvGrpSpPr>
+        <p:grpSpPr>
+          <a:xfrm>
+            <a:off x="2723449" y="3688784"/>
+            <a:ext cx="1045691" cy="915799"/>
+            <a:chOff x="2791847" y="3616960"/>
+            <a:chExt cx="1045691" cy="915799"/>
+          </a:xfrm>
+        </p:grpSpPr>
+        <p:pic>
+          <p:nvPicPr>
+            <p:cNvPr id="20" name="図 19">
+              <a:extLst>
+                <a:ext uri="{FF2B5EF4-FFF2-40B4-BE49-F238E27FC236}">
+                  <a16:creationId xmlns:a16="http://schemas.microsoft.com/office/drawing/2014/main" id="{0D4B8BF0-D163-4E8D-BDF5-D760BFDC75A9}"/>
+                </a:ext>
+              </a:extLst>
+            </p:cNvPr>
+            <p:cNvPicPr>
+              <a:picLocks noChangeAspect="1"/>
+            </p:cNvPicPr>
+            <p:nvPr/>
+          </p:nvPicPr>
+          <p:blipFill>
+            <a:blip r:embed="rId8">
+              <a:extLst>
+                <a:ext uri="{28A0092B-C50C-407E-A947-70E740481C1C}">
+                  <a14:useLocalDpi xmlns:a14="http://schemas.microsoft.com/office/drawing/2010/main" val="0"/>
+                </a:ext>
+              </a:extLst>
+            </a:blip>
+            <a:stretch>
+              <a:fillRect/>
+            </a:stretch>
+          </p:blipFill>
+          <p:spPr>
+            <a:xfrm rot="13337755">
+              <a:off x="2791847" y="3683135"/>
+              <a:ext cx="1045691" cy="849624"/>
+            </a:xfrm>
+            <a:prstGeom prst="rect">
+              <a:avLst/>
+            </a:prstGeom>
+          </p:spPr>
+        </p:pic>
+        <p:sp>
+          <p:nvSpPr>
+            <p:cNvPr id="8" name="楕円 7">
+              <a:extLst>
+                <a:ext uri="{FF2B5EF4-FFF2-40B4-BE49-F238E27FC236}">
+                  <a16:creationId xmlns:a16="http://schemas.microsoft.com/office/drawing/2014/main" id="{1F10B6F3-8FEE-4100-932D-99231CD31170}"/>
+                </a:ext>
+              </a:extLst>
+            </p:cNvPr>
+            <p:cNvSpPr/>
+            <p:nvPr/>
+          </p:nvSpPr>
+          <p:spPr>
+            <a:xfrm rot="2424228">
+              <a:off x="3317322" y="3676264"/>
+              <a:ext cx="294326" cy="494114"/>
+            </a:xfrm>
+            <a:prstGeom prst="ellipse">
+              <a:avLst/>
+            </a:prstGeom>
+            <a:solidFill>
+              <a:srgbClr val="FF3399"/>
+            </a:solidFill>
+            <a:ln>
+              <a:noFill/>
+            </a:ln>
+          </p:spPr>
+          <p:style>
+            <a:lnRef idx="2">
+              <a:schemeClr val="accent1">
+                <a:shade val="50000"/>
+              </a:schemeClr>
+            </a:lnRef>
+            <a:fillRef idx="1">
+              <a:schemeClr val="accent1"/>
+            </a:fillRef>
+            <a:effectRef idx="0">
+              <a:schemeClr val="accent1"/>
+            </a:effectRef>
+            <a:fontRef idx="minor">
+              <a:schemeClr val="lt1"/>
+            </a:fontRef>
+          </p:style>
+          <p:txBody>
+            <a:bodyPr rtlCol="0" anchor="ctr"/>
+            <a:lstStyle/>
+            <a:p>
+              <a:pPr algn="ctr"/>
+              <a:endParaRPr kumimoji="1" lang="ja-JP" altLang="en-US"/>
+            </a:p>
+          </p:txBody>
+        </p:sp>
+        <p:sp>
+          <p:nvSpPr>
+            <p:cNvPr id="22" name="楕円 21">
+              <a:extLst>
+                <a:ext uri="{FF2B5EF4-FFF2-40B4-BE49-F238E27FC236}">
+                  <a16:creationId xmlns:a16="http://schemas.microsoft.com/office/drawing/2014/main" id="{54665596-66E2-4FC9-B0B5-50135D50B2BC}"/>
+                </a:ext>
+              </a:extLst>
+            </p:cNvPr>
+            <p:cNvSpPr/>
+            <p:nvPr/>
+          </p:nvSpPr>
+          <p:spPr>
+            <a:xfrm rot="2424228">
+              <a:off x="3359458" y="3616960"/>
+              <a:ext cx="294326" cy="494114"/>
+            </a:xfrm>
+            <a:prstGeom prst="ellipse">
+              <a:avLst/>
+            </a:prstGeom>
+            <a:solidFill>
+              <a:schemeClr val="accent6"/>
+            </a:solidFill>
+            <a:ln>
+              <a:solidFill>
+                <a:schemeClr val="accent6"/>
+              </a:solidFill>
+            </a:ln>
+          </p:spPr>
+          <p:style>
+            <a:lnRef idx="2">
+              <a:schemeClr val="accent1">
+                <a:shade val="50000"/>
+              </a:schemeClr>
+            </a:lnRef>
+            <a:fillRef idx="1">
+              <a:schemeClr val="accent1"/>
+            </a:fillRef>
+            <a:effectRef idx="0">
+              <a:schemeClr val="accent1"/>
+            </a:effectRef>
+            <a:fontRef idx="minor">
+              <a:schemeClr val="lt1"/>
+            </a:fontRef>
+          </p:style>
+          <p:txBody>
+            <a:bodyPr rtlCol="0" anchor="ctr"/>
+            <a:lstStyle/>
+            <a:p>
+              <a:pPr algn="ctr"/>
+              <a:endParaRPr kumimoji="1" lang="ja-JP" altLang="en-US" dirty="0"/>
+            </a:p>
+          </p:txBody>
+        </p:sp>
+      </p:grpSp>
+      <p:sp>
+        <p:nvSpPr>
+          <p:cNvPr id="30" name="テキスト ボックス 29">
+            <a:extLst>
+              <a:ext uri="{FF2B5EF4-FFF2-40B4-BE49-F238E27FC236}">
+                <a16:creationId xmlns:a16="http://schemas.microsoft.com/office/drawing/2014/main" id="{0A4A1018-9940-4711-AE15-B108D4CDF1FC}"/>
+              </a:ext>
+            </a:extLst>
+          </p:cNvPr>
+          <p:cNvSpPr txBox="1"/>
+          <p:nvPr/>
+        </p:nvSpPr>
+        <p:spPr>
+          <a:xfrm>
+            <a:off x="2373457" y="4712332"/>
+            <a:ext cx="1745676" cy="338554"/>
+          </a:xfrm>
+          <a:prstGeom prst="rect">
+            <a:avLst/>
+          </a:prstGeom>
+          <a:noFill/>
+        </p:spPr>
+        <p:txBody>
+          <a:bodyPr wrap="square" rtlCol="0">
+            <a:spAutoFit/>
+          </a:bodyPr>
+          <a:lstStyle/>
+          <a:p>
+            <a:pPr algn="ctr"/>
+            <a:r>
+              <a:rPr kumimoji="1" lang="ja-JP" altLang="en-US" sz="1600" b="1" dirty="0">
+                <a:solidFill>
+                  <a:schemeClr val="bg1"/>
+                </a:solidFill>
+              </a:rPr>
+              <a:t>肉を食べれる</a:t>
+            </a:r>
+          </a:p>
+        </p:txBody>
+      </p:sp>
     </p:spTree>
     <p:extLst>
       <p:ext uri="{BB962C8B-B14F-4D97-AF65-F5344CB8AC3E}">
@@ -5066,4 +7188,299 @@
     </a:ext>
   </a:extLst>
 </a:theme>
+</file>
+
+<file path=ppt/theme/theme2.xml><?xml version="1.0" encoding="utf-8"?>
+<a:theme xmlns:a="http://schemas.openxmlformats.org/drawingml/2006/main" name="Office テーマ">
+  <a:themeElements>
+    <a:clrScheme name="Office">
+      <a:dk1>
+        <a:sysClr val="windowText" lastClr="000000"/>
+      </a:dk1>
+      <a:lt1>
+        <a:sysClr val="window" lastClr="FFFFFF"/>
+      </a:lt1>
+      <a:dk2>
+        <a:srgbClr val="44546A"/>
+      </a:dk2>
+      <a:lt2>
+        <a:srgbClr val="E7E6E6"/>
+      </a:lt2>
+      <a:accent1>
+        <a:srgbClr val="4472C4"/>
+      </a:accent1>
+      <a:accent2>
+        <a:srgbClr val="ED7D31"/>
+      </a:accent2>
+      <a:accent3>
+        <a:srgbClr val="A5A5A5"/>
+      </a:accent3>
+      <a:accent4>
+        <a:srgbClr val="FFC000"/>
+      </a:accent4>
+      <a:accent5>
+        <a:srgbClr val="5B9BD5"/>
+      </a:accent5>
+      <a:accent6>
+        <a:srgbClr val="70AD47"/>
+      </a:accent6>
+      <a:hlink>
+        <a:srgbClr val="0563C1"/>
+      </a:hlink>
+      <a:folHlink>
+        <a:srgbClr val="954F72"/>
+      </a:folHlink>
+    </a:clrScheme>
+    <a:fontScheme name="Office">
+      <a:majorFont>
+        <a:latin typeface="游ゴシック Light" panose="020F0302020204030204"/>
+        <a:ea typeface=""/>
+        <a:cs typeface=""/>
+        <a:font script="Jpan" typeface="游ゴシック Light"/>
+        <a:font script="Hang" typeface="맑은 고딕"/>
+        <a:font script="Hans" typeface="等线 Light"/>
+        <a:font script="Hant" typeface="新細明體"/>
+        <a:font script="Arab" typeface="Times New Roman"/>
+        <a:font script="Hebr" typeface="Times New Roman"/>
+        <a:font script="Thai" typeface="Angsana New"/>
+        <a:font script="Ethi" typeface="Nyala"/>
+        <a:font script="Beng" typeface="Vrinda"/>
+        <a:font script="Gujr" typeface="Shruti"/>
+        <a:font script="Khmr" typeface="MoolBoran"/>
+        <a:font script="Knda" typeface="Tunga"/>
+        <a:font script="Guru" typeface="Raavi"/>
+        <a:font script="Cans" typeface="Euphemia"/>
+        <a:font script="Cher" typeface="Plantagenet Cherokee"/>
+        <a:font script="Yiii" typeface="Microsoft Yi Baiti"/>
+        <a:font script="Tibt" typeface="Microsoft Himalaya"/>
+        <a:font script="Thaa" typeface="MV Boli"/>
+        <a:font script="Deva" typeface="Mangal"/>
+        <a:font script="Telu" typeface="Gautami"/>
+        <a:font script="Taml" typeface="Latha"/>
+        <a:font script="Syrc" typeface="Estrangelo Edessa"/>
+        <a:font script="Orya" typeface="Kalinga"/>
+        <a:font script="Mlym" typeface="Kartika"/>
+        <a:font script="Laoo" typeface="DokChampa"/>
+        <a:font script="Sinh" typeface="Iskoola Pota"/>
+        <a:font script="Mong" typeface="Mongolian Baiti"/>
+        <a:font script="Viet" typeface="Times New Roman"/>
+        <a:font script="Uigh" typeface="Microsoft Uighur"/>
+        <a:font script="Geor" typeface="Sylfaen"/>
+        <a:font script="Armn" typeface="Arial"/>
+        <a:font script="Bugi" typeface="Leelawadee UI"/>
+        <a:font script="Bopo" typeface="Microsoft JhengHei"/>
+        <a:font script="Java" typeface="Javanese Text"/>
+        <a:font script="Lisu" typeface="Segoe UI"/>
+        <a:font script="Mymr" typeface="Myanmar Text"/>
+        <a:font script="Nkoo" typeface="Ebrima"/>
+        <a:font script="Olck" typeface="Nirmala UI"/>
+        <a:font script="Osma" typeface="Ebrima"/>
+        <a:font script="Phag" typeface="Phagspa"/>
+        <a:font script="Syrn" typeface="Estrangelo Edessa"/>
+        <a:font script="Syrj" typeface="Estrangelo Edessa"/>
+        <a:font script="Syre" typeface="Estrangelo Edessa"/>
+        <a:font script="Sora" typeface="Nirmala UI"/>
+        <a:font script="Tale" typeface="Microsoft Tai Le"/>
+        <a:font script="Talu" typeface="Microsoft New Tai Lue"/>
+        <a:font script="Tfng" typeface="Ebrima"/>
+      </a:majorFont>
+      <a:minorFont>
+        <a:latin typeface="游ゴシック" panose="020F0502020204030204"/>
+        <a:ea typeface=""/>
+        <a:cs typeface=""/>
+        <a:font script="Jpan" typeface="游ゴシック"/>
+        <a:font script="Hang" typeface="맑은 고딕"/>
+        <a:font script="Hans" typeface="等线"/>
+        <a:font script="Hant" typeface="新細明體"/>
+        <a:font script="Arab" typeface="Arial"/>
+        <a:font script="Hebr" typeface="Arial"/>
+        <a:font script="Thai" typeface="Cordia New"/>
+        <a:font script="Ethi" typeface="Nyala"/>
+        <a:font script="Beng" typeface="Vrinda"/>
+        <a:font script="Gujr" typeface="Shruti"/>
+        <a:font script="Khmr" typeface="DaunPenh"/>
+        <a:font script="Knda" typeface="Tunga"/>
+        <a:font script="Guru" typeface="Raavi"/>
+        <a:font script="Cans" typeface="Euphemia"/>
+        <a:font script="Cher" typeface="Plantagenet Cherokee"/>
+        <a:font script="Yiii" typeface="Microsoft Yi Baiti"/>
+        <a:font script="Tibt" typeface="Microsoft Himalaya"/>
+        <a:font script="Thaa" typeface="MV Boli"/>
+        <a:font script="Deva" typeface="Mangal"/>
+        <a:font script="Telu" typeface="Gautami"/>
+        <a:font script="Taml" typeface="Latha"/>
+        <a:font script="Syrc" typeface="Estrangelo Edessa"/>
+        <a:font script="Orya" typeface="Kalinga"/>
+        <a:font script="Mlym" typeface="Kartika"/>
+        <a:font script="Laoo" typeface="DokChampa"/>
+        <a:font script="Sinh" typeface="Iskoola Pota"/>
+        <a:font script="Mong" typeface="Mongolian Baiti"/>
+        <a:font script="Viet" typeface="Arial"/>
+        <a:font script="Uigh" typeface="Microsoft Uighur"/>
+        <a:font script="Geor" typeface="Sylfaen"/>
+        <a:font script="Armn" typeface="Arial"/>
+        <a:font script="Bugi" typeface="Leelawadee UI"/>
+        <a:font script="Bopo" typeface="Microsoft JhengHei"/>
+        <a:font script="Java" typeface="Javanese Text"/>
+        <a:font script="Lisu" typeface="Segoe UI"/>
+        <a:font script="Mymr" typeface="Myanmar Text"/>
+        <a:font script="Nkoo" typeface="Ebrima"/>
+        <a:font script="Olck" typeface="Nirmala UI"/>
+        <a:font script="Osma" typeface="Ebrima"/>
+        <a:font script="Phag" typeface="Phagspa"/>
+        <a:font script="Syrn" typeface="Estrangelo Edessa"/>
+        <a:font script="Syrj" typeface="Estrangelo Edessa"/>
+        <a:font script="Syre" typeface="Estrangelo Edessa"/>
+        <a:font script="Sora" typeface="Nirmala UI"/>
+        <a:font script="Tale" typeface="Microsoft Tai Le"/>
+        <a:font script="Talu" typeface="Microsoft New Tai Lue"/>
+        <a:font script="Tfng" typeface="Ebrima"/>
+      </a:minorFont>
+    </a:fontScheme>
+    <a:fmtScheme name="Office">
+      <a:fillStyleLst>
+        <a:solidFill>
+          <a:schemeClr val="phClr"/>
+        </a:solidFill>
+        <a:gradFill rotWithShape="1">
+          <a:gsLst>
+            <a:gs pos="0">
+              <a:schemeClr val="phClr">
+                <a:lumMod val="110000"/>
+                <a:satMod val="105000"/>
+                <a:tint val="67000"/>
+              </a:schemeClr>
+            </a:gs>
+            <a:gs pos="50000">
+              <a:schemeClr val="phClr">
+                <a:lumMod val="105000"/>
+                <a:satMod val="103000"/>
+                <a:tint val="73000"/>
+              </a:schemeClr>
+            </a:gs>
+            <a:gs pos="100000">
+              <a:schemeClr val="phClr">
+                <a:lumMod val="105000"/>
+                <a:satMod val="109000"/>
+                <a:tint val="81000"/>
+              </a:schemeClr>
+            </a:gs>
+          </a:gsLst>
+          <a:lin ang="5400000" scaled="0"/>
+        </a:gradFill>
+        <a:gradFill rotWithShape="1">
+          <a:gsLst>
+            <a:gs pos="0">
+              <a:schemeClr val="phClr">
+                <a:satMod val="103000"/>
+                <a:lumMod val="102000"/>
+                <a:tint val="94000"/>
+              </a:schemeClr>
+            </a:gs>
+            <a:gs pos="50000">
+              <a:schemeClr val="phClr">
+                <a:satMod val="110000"/>
+                <a:lumMod val="100000"/>
+                <a:shade val="100000"/>
+              </a:schemeClr>
+            </a:gs>
+            <a:gs pos="100000">
+              <a:schemeClr val="phClr">
+                <a:lumMod val="99000"/>
+                <a:satMod val="120000"/>
+                <a:shade val="78000"/>
+              </a:schemeClr>
+            </a:gs>
+          </a:gsLst>
+          <a:lin ang="5400000" scaled="0"/>
+        </a:gradFill>
+      </a:fillStyleLst>
+      <a:lnStyleLst>
+        <a:ln w="6350" cap="flat" cmpd="sng" algn="ctr">
+          <a:solidFill>
+            <a:schemeClr val="phClr"/>
+          </a:solidFill>
+          <a:prstDash val="solid"/>
+          <a:miter lim="800000"/>
+        </a:ln>
+        <a:ln w="12700" cap="flat" cmpd="sng" algn="ctr">
+          <a:solidFill>
+            <a:schemeClr val="phClr"/>
+          </a:solidFill>
+          <a:prstDash val="solid"/>
+          <a:miter lim="800000"/>
+        </a:ln>
+        <a:ln w="19050" cap="flat" cmpd="sng" algn="ctr">
+          <a:solidFill>
+            <a:schemeClr val="phClr"/>
+          </a:solidFill>
+          <a:prstDash val="solid"/>
+          <a:miter lim="800000"/>
+        </a:ln>
+      </a:lnStyleLst>
+      <a:effectStyleLst>
+        <a:effectStyle>
+          <a:effectLst/>
+        </a:effectStyle>
+        <a:effectStyle>
+          <a:effectLst/>
+        </a:effectStyle>
+        <a:effectStyle>
+          <a:effectLst>
+            <a:outerShdw blurRad="57150" dist="19050" dir="5400000" algn="ctr" rotWithShape="0">
+              <a:srgbClr val="000000">
+                <a:alpha val="63000"/>
+              </a:srgbClr>
+            </a:outerShdw>
+          </a:effectLst>
+        </a:effectStyle>
+      </a:effectStyleLst>
+      <a:bgFillStyleLst>
+        <a:solidFill>
+          <a:schemeClr val="phClr"/>
+        </a:solidFill>
+        <a:solidFill>
+          <a:schemeClr val="phClr">
+            <a:tint val="95000"/>
+            <a:satMod val="170000"/>
+          </a:schemeClr>
+        </a:solidFill>
+        <a:gradFill rotWithShape="1">
+          <a:gsLst>
+            <a:gs pos="0">
+              <a:schemeClr val="phClr">
+                <a:tint val="93000"/>
+                <a:satMod val="150000"/>
+                <a:shade val="98000"/>
+                <a:lumMod val="102000"/>
+              </a:schemeClr>
+            </a:gs>
+            <a:gs pos="50000">
+              <a:schemeClr val="phClr">
+                <a:tint val="98000"/>
+                <a:satMod val="130000"/>
+                <a:shade val="90000"/>
+                <a:lumMod val="103000"/>
+              </a:schemeClr>
+            </a:gs>
+            <a:gs pos="100000">
+              <a:schemeClr val="phClr">
+                <a:shade val="63000"/>
+                <a:satMod val="120000"/>
+              </a:schemeClr>
+            </a:gs>
+          </a:gsLst>
+          <a:lin ang="5400000" scaled="0"/>
+        </a:gradFill>
+      </a:bgFillStyleLst>
+    </a:fmtScheme>
+  </a:themeElements>
+  <a:objectDefaults/>
+  <a:extraClrSchemeLst/>
+  <a:extLst>
+    <a:ext uri="{05A4C25C-085E-4340-85A3-A5531E510DB2}">
+      <thm15:themeFamily xmlns:thm15="http://schemas.microsoft.com/office/thememl/2012/main" name="Office Theme" id="{62F939B6-93AF-4DB8-9C6B-D6C7DFDC589F}" vid="{4A3C46E8-61CC-4603-A589-7422A47A8E4A}"/>
+    </a:ext>
+  </a:extLst>
+</a:theme>
 </file>
--- a/99_pranning/操作説明書.pptx
+++ b/99_pranning/操作説明書.pptx
@@ -198,7 +198,7 @@
           <a:p>
             <a:fld id="{FC028F58-CADC-4364-9B3C-22A5C82DAE34}" type="datetimeFigureOut">
               <a:rPr kumimoji="1" lang="ja-JP" altLang="en-US" smtClean="0"/>
-              <a:t>2025/1/21</a:t>
+              <a:t>2025/1/23</a:t>
             </a:fld>
             <a:endParaRPr kumimoji="1" lang="ja-JP" altLang="en-US"/>
           </a:p>
@@ -712,7 +712,7 @@
           <a:p>
             <a:fld id="{1C50CC2C-565E-4CEC-8E2B-7BC9045D7333}" type="datetimeFigureOut">
               <a:rPr kumimoji="1" lang="ja-JP" altLang="en-US" smtClean="0"/>
-              <a:t>2025/1/21</a:t>
+              <a:t>2025/1/23</a:t>
             </a:fld>
             <a:endParaRPr kumimoji="1" lang="ja-JP" altLang="en-US"/>
           </a:p>
@@ -914,7 +914,7 @@
           <a:p>
             <a:fld id="{1C50CC2C-565E-4CEC-8E2B-7BC9045D7333}" type="datetimeFigureOut">
               <a:rPr kumimoji="1" lang="ja-JP" altLang="en-US" smtClean="0"/>
-              <a:t>2025/1/21</a:t>
+              <a:t>2025/1/23</a:t>
             </a:fld>
             <a:endParaRPr kumimoji="1" lang="ja-JP" altLang="en-US"/>
           </a:p>
@@ -1126,7 +1126,7 @@
           <a:p>
             <a:fld id="{1C50CC2C-565E-4CEC-8E2B-7BC9045D7333}" type="datetimeFigureOut">
               <a:rPr kumimoji="1" lang="ja-JP" altLang="en-US" smtClean="0"/>
-              <a:t>2025/1/21</a:t>
+              <a:t>2025/1/23</a:t>
             </a:fld>
             <a:endParaRPr kumimoji="1" lang="ja-JP" altLang="en-US"/>
           </a:p>
@@ -1328,7 +1328,7 @@
           <a:p>
             <a:fld id="{1C50CC2C-565E-4CEC-8E2B-7BC9045D7333}" type="datetimeFigureOut">
               <a:rPr kumimoji="1" lang="ja-JP" altLang="en-US" smtClean="0"/>
-              <a:t>2025/1/21</a:t>
+              <a:t>2025/1/23</a:t>
             </a:fld>
             <a:endParaRPr kumimoji="1" lang="ja-JP" altLang="en-US"/>
           </a:p>
@@ -1574,7 +1574,7 @@
           <a:p>
             <a:fld id="{1C50CC2C-565E-4CEC-8E2B-7BC9045D7333}" type="datetimeFigureOut">
               <a:rPr kumimoji="1" lang="ja-JP" altLang="en-US" smtClean="0"/>
-              <a:t>2025/1/21</a:t>
+              <a:t>2025/1/23</a:t>
             </a:fld>
             <a:endParaRPr kumimoji="1" lang="ja-JP" altLang="en-US"/>
           </a:p>
@@ -1870,7 +1870,7 @@
           <a:p>
             <a:fld id="{1C50CC2C-565E-4CEC-8E2B-7BC9045D7333}" type="datetimeFigureOut">
               <a:rPr kumimoji="1" lang="ja-JP" altLang="en-US" smtClean="0"/>
-              <a:t>2025/1/21</a:t>
+              <a:t>2025/1/23</a:t>
             </a:fld>
             <a:endParaRPr kumimoji="1" lang="ja-JP" altLang="en-US"/>
           </a:p>
@@ -2301,7 +2301,7 @@
           <a:p>
             <a:fld id="{1C50CC2C-565E-4CEC-8E2B-7BC9045D7333}" type="datetimeFigureOut">
               <a:rPr kumimoji="1" lang="ja-JP" altLang="en-US" smtClean="0"/>
-              <a:t>2025/1/21</a:t>
+              <a:t>2025/1/23</a:t>
             </a:fld>
             <a:endParaRPr kumimoji="1" lang="ja-JP" altLang="en-US"/>
           </a:p>
@@ -2419,7 +2419,7 @@
           <a:p>
             <a:fld id="{1C50CC2C-565E-4CEC-8E2B-7BC9045D7333}" type="datetimeFigureOut">
               <a:rPr kumimoji="1" lang="ja-JP" altLang="en-US" smtClean="0"/>
-              <a:t>2025/1/21</a:t>
+              <a:t>2025/1/23</a:t>
             </a:fld>
             <a:endParaRPr kumimoji="1" lang="ja-JP" altLang="en-US"/>
           </a:p>
@@ -2514,7 +2514,7 @@
           <a:p>
             <a:fld id="{1C50CC2C-565E-4CEC-8E2B-7BC9045D7333}" type="datetimeFigureOut">
               <a:rPr kumimoji="1" lang="ja-JP" altLang="en-US" smtClean="0"/>
-              <a:t>2025/1/21</a:t>
+              <a:t>2025/1/23</a:t>
             </a:fld>
             <a:endParaRPr kumimoji="1" lang="ja-JP" altLang="en-US"/>
           </a:p>
@@ -2823,7 +2823,7 @@
           <a:p>
             <a:fld id="{1C50CC2C-565E-4CEC-8E2B-7BC9045D7333}" type="datetimeFigureOut">
               <a:rPr kumimoji="1" lang="ja-JP" altLang="en-US" smtClean="0"/>
-              <a:t>2025/1/21</a:t>
+              <a:t>2025/1/23</a:t>
             </a:fld>
             <a:endParaRPr kumimoji="1" lang="ja-JP" altLang="en-US"/>
           </a:p>
@@ -3080,7 +3080,7 @@
           <a:p>
             <a:fld id="{1C50CC2C-565E-4CEC-8E2B-7BC9045D7333}" type="datetimeFigureOut">
               <a:rPr kumimoji="1" lang="ja-JP" altLang="en-US" smtClean="0"/>
-              <a:t>2025/1/21</a:t>
+              <a:t>2025/1/23</a:t>
             </a:fld>
             <a:endParaRPr kumimoji="1" lang="ja-JP" altLang="en-US"/>
           </a:p>
@@ -3325,7 +3325,7 @@
           <a:p>
             <a:fld id="{1C50CC2C-565E-4CEC-8E2B-7BC9045D7333}" type="datetimeFigureOut">
               <a:rPr kumimoji="1" lang="ja-JP" altLang="en-US" smtClean="0"/>
-              <a:t>2025/1/21</a:t>
+              <a:t>2025/1/23</a:t>
             </a:fld>
             <a:endParaRPr kumimoji="1" lang="ja-JP" altLang="en-US"/>
           </a:p>
@@ -3952,7 +3952,7 @@
         </p:nvSpPr>
         <p:spPr>
           <a:xfrm>
-            <a:off x="5018532" y="33528"/>
+            <a:off x="5015484" y="-28194"/>
             <a:ext cx="4818888" cy="2578608"/>
           </a:xfrm>
           <a:prstGeom prst="rect">
@@ -4094,8 +4094,8 @@
         </p:nvSpPr>
         <p:spPr>
           <a:xfrm rot="21241452">
-            <a:off x="3763523" y="2132936"/>
-            <a:ext cx="1242060" cy="2099698"/>
+            <a:off x="3859719" y="2243204"/>
+            <a:ext cx="1043333" cy="1990059"/>
           </a:xfrm>
           <a:prstGeom prst="ellipse">
             <a:avLst/>
@@ -4488,8 +4488,11 @@
             <a:r>
               <a:rPr kumimoji="1" lang="ja-JP" altLang="en-US" sz="2800" dirty="0">
                 <a:effectLst>
-                  <a:glow rad="127000">
-                    <a:schemeClr val="bg1"/>
+                  <a:glow rad="101600">
+                    <a:schemeClr val="accent2">
+                      <a:satMod val="175000"/>
+                      <a:alpha val="40000"/>
+                    </a:schemeClr>
                   </a:glow>
                 </a:effectLst>
                 <a:latin typeface="HGP創英角ｺﾞｼｯｸUB" panose="020B0900000000000000" pitchFamily="50" charset="-128"/>
@@ -4499,8 +4502,11 @@
             </a:r>
             <a:endParaRPr kumimoji="1" lang="en-US" altLang="ja-JP" sz="2800" dirty="0">
               <a:effectLst>
-                <a:glow rad="127000">
-                  <a:schemeClr val="bg1"/>
+                <a:glow rad="101600">
+                  <a:schemeClr val="accent2">
+                    <a:satMod val="175000"/>
+                    <a:alpha val="40000"/>
+                  </a:schemeClr>
                 </a:glow>
               </a:effectLst>
               <a:latin typeface="HGP創英角ｺﾞｼｯｸUB" panose="020B0900000000000000" pitchFamily="50" charset="-128"/>
@@ -5046,7 +5052,9 @@
               <a:rPr kumimoji="1" lang="ja-JP" altLang="en-US" sz="2800" dirty="0">
                 <a:effectLst>
                   <a:glow rad="127000">
-                    <a:schemeClr val="bg1"/>
+                    <a:srgbClr val="FF0000">
+                      <a:alpha val="49000"/>
+                    </a:srgbClr>
                   </a:glow>
                 </a:effectLst>
                 <a:latin typeface="HGP創英角ｺﾞｼｯｸUB" panose="020B0900000000000000" pitchFamily="50" charset="-128"/>
@@ -5057,7 +5065,9 @@
             <a:endParaRPr kumimoji="1" lang="en-US" altLang="ja-JP" sz="2800" dirty="0">
               <a:effectLst>
                 <a:glow rad="127000">
-                  <a:schemeClr val="bg1"/>
+                  <a:srgbClr val="FF0000">
+                    <a:alpha val="49000"/>
+                  </a:srgbClr>
                 </a:glow>
               </a:effectLst>
               <a:latin typeface="HGP創英角ｺﾞｼｯｸUB" panose="020B0900000000000000" pitchFamily="50" charset="-128"/>
@@ -5081,7 +5091,7 @@
         <p:spPr>
           <a:xfrm>
             <a:off x="4984046" y="803416"/>
-            <a:ext cx="5006499" cy="1200329"/>
+            <a:ext cx="3910045" cy="646331"/>
           </a:xfrm>
           <a:prstGeom prst="rect">
             <a:avLst/>
@@ -5104,7 +5114,33 @@
                 <a:latin typeface="HGP創英角ｺﾞｼｯｸUB" panose="020B0900000000000000" pitchFamily="50" charset="-128"/>
                 <a:ea typeface="HGP創英角ｺﾞｼｯｸUB" panose="020B0900000000000000" pitchFamily="50" charset="-128"/>
               </a:rPr>
-              <a:t>正面に向かってファイアボールを放つ！</a:t>
+              <a:t>正面に向かって</a:t>
+            </a:r>
+            <a:r>
+              <a:rPr kumimoji="1" lang="ja-JP" altLang="en-US" dirty="0">
+                <a:effectLst>
+                  <a:glow rad="63500">
+                    <a:srgbClr val="FF0000">
+                      <a:alpha val="49000"/>
+                    </a:srgbClr>
+                  </a:glow>
+                </a:effectLst>
+                <a:latin typeface="HGP創英角ｺﾞｼｯｸUB" panose="020B0900000000000000" pitchFamily="50" charset="-128"/>
+                <a:ea typeface="HGP創英角ｺﾞｼｯｸUB" panose="020B0900000000000000" pitchFamily="50" charset="-128"/>
+              </a:rPr>
+              <a:t>ファイアボール</a:t>
+            </a:r>
+            <a:r>
+              <a:rPr kumimoji="1" lang="ja-JP" altLang="en-US" dirty="0">
+                <a:effectLst>
+                  <a:glow rad="127000">
+                    <a:schemeClr val="bg1"/>
+                  </a:glow>
+                </a:effectLst>
+                <a:latin typeface="HGP創英角ｺﾞｼｯｸUB" panose="020B0900000000000000" pitchFamily="50" charset="-128"/>
+                <a:ea typeface="HGP創英角ｺﾞｼｯｸUB" panose="020B0900000000000000" pitchFamily="50" charset="-128"/>
+              </a:rPr>
+              <a:t>を放つ！</a:t>
             </a:r>
             <a:endParaRPr kumimoji="1" lang="en-US" altLang="ja-JP" dirty="0">
               <a:effectLst>
@@ -5117,19 +5153,7 @@
             </a:endParaRPr>
           </a:p>
           <a:p>
-            <a:r>
-              <a:rPr kumimoji="1" lang="ja-JP" altLang="en-US" dirty="0">
-                <a:effectLst>
-                  <a:glow rad="127000">
-                    <a:schemeClr val="bg1"/>
-                  </a:glow>
-                </a:effectLst>
-                <a:latin typeface="HGP創英角ｺﾞｼｯｸUB" panose="020B0900000000000000" pitchFamily="50" charset="-128"/>
-                <a:ea typeface="HGP創英角ｺﾞｼｯｸUB" panose="020B0900000000000000" pitchFamily="50" charset="-128"/>
-              </a:rPr>
-              <a:t>炎のオーブか鍵を持っているときにしか放てないが</a:t>
-            </a:r>
-            <a:endParaRPr kumimoji="1" lang="en-US" altLang="ja-JP" dirty="0">
+            <a:endParaRPr kumimoji="1" lang="ja-JP" altLang="en-US" dirty="0">
               <a:effectLst>
                 <a:glow rad="127000">
                   <a:schemeClr val="bg1"/>
@@ -5139,41 +5163,257 @@
               <a:ea typeface="HGP創英角ｺﾞｼｯｸUB" panose="020B0900000000000000" pitchFamily="50" charset="-128"/>
             </a:endParaRPr>
           </a:p>
+        </p:txBody>
+      </p:sp>
+      <p:sp>
+        <p:nvSpPr>
+          <p:cNvPr id="2" name="楕円 1">
+            <a:extLst>
+              <a:ext uri="{FF2B5EF4-FFF2-40B4-BE49-F238E27FC236}">
+                <a16:creationId xmlns:a16="http://schemas.microsoft.com/office/drawing/2014/main" id="{87EE72B5-76ED-484A-90BD-7F3187DF72CB}"/>
+              </a:ext>
+            </a:extLst>
+          </p:cNvPr>
+          <p:cNvSpPr/>
+          <p:nvPr/>
+        </p:nvSpPr>
+        <p:spPr>
+          <a:xfrm>
+            <a:off x="6332994" y="3676903"/>
+            <a:ext cx="402622" cy="362616"/>
+          </a:xfrm>
+          <a:prstGeom prst="ellipse">
+            <a:avLst/>
+          </a:prstGeom>
+          <a:noFill/>
+          <a:ln w="76200">
+            <a:solidFill>
+              <a:schemeClr val="accent2"/>
+            </a:solidFill>
+          </a:ln>
+        </p:spPr>
+        <p:style>
+          <a:lnRef idx="2">
+            <a:schemeClr val="accent1">
+              <a:shade val="50000"/>
+            </a:schemeClr>
+          </a:lnRef>
+          <a:fillRef idx="1">
+            <a:schemeClr val="accent1"/>
+          </a:fillRef>
+          <a:effectRef idx="0">
+            <a:schemeClr val="accent1"/>
+          </a:effectRef>
+          <a:fontRef idx="minor">
+            <a:schemeClr val="lt1"/>
+          </a:fontRef>
+        </p:style>
+        <p:txBody>
+          <a:bodyPr rtlCol="0" anchor="ctr"/>
+          <a:lstStyle/>
+          <a:p>
+            <a:pPr algn="ctr"/>
+            <a:endParaRPr kumimoji="1" lang="ja-JP" altLang="en-US"/>
+          </a:p>
+        </p:txBody>
+      </p:sp>
+      <p:pic>
+        <p:nvPicPr>
+          <p:cNvPr id="19" name="図 18">
+            <a:extLst>
+              <a:ext uri="{FF2B5EF4-FFF2-40B4-BE49-F238E27FC236}">
+                <a16:creationId xmlns:a16="http://schemas.microsoft.com/office/drawing/2014/main" id="{0A0B81BD-4ADF-4E24-9BC8-A39E520C9DA4}"/>
+              </a:ext>
+            </a:extLst>
+          </p:cNvPr>
+          <p:cNvPicPr>
+            <a:picLocks noChangeAspect="1"/>
+          </p:cNvPicPr>
+          <p:nvPr/>
+        </p:nvPicPr>
+        <p:blipFill>
+          <a:blip r:embed="rId8">
+            <a:extLst>
+              <a:ext uri="{28A0092B-C50C-407E-A947-70E740481C1C}">
+                <a14:useLocalDpi xmlns:a14="http://schemas.microsoft.com/office/drawing/2010/main" val="0"/>
+              </a:ext>
+            </a:extLst>
+          </a:blip>
+          <a:stretch>
+            <a:fillRect/>
+          </a:stretch>
+        </p:blipFill>
+        <p:spPr>
+          <a:xfrm>
+            <a:off x="5122949" y="1266711"/>
+            <a:ext cx="828027" cy="828027"/>
+          </a:xfrm>
+          <a:prstGeom prst="rect">
+            <a:avLst/>
+          </a:prstGeom>
+          <a:effectLst>
+            <a:glow rad="101600">
+              <a:srgbClr val="FF0000">
+                <a:alpha val="64000"/>
+              </a:srgbClr>
+            </a:glow>
+          </a:effectLst>
+        </p:spPr>
+      </p:pic>
+      <p:sp>
+        <p:nvSpPr>
+          <p:cNvPr id="22" name="テキスト ボックス 21">
+            <a:extLst>
+              <a:ext uri="{FF2B5EF4-FFF2-40B4-BE49-F238E27FC236}">
+                <a16:creationId xmlns:a16="http://schemas.microsoft.com/office/drawing/2014/main" id="{CDAF34D3-B9A2-437B-91C3-D92E882A74D7}"/>
+              </a:ext>
+            </a:extLst>
+          </p:cNvPr>
+          <p:cNvSpPr txBox="1"/>
+          <p:nvPr/>
+        </p:nvSpPr>
+        <p:spPr>
+          <a:xfrm>
+            <a:off x="5961042" y="1564810"/>
+            <a:ext cx="442370" cy="369332"/>
+          </a:xfrm>
+          <a:prstGeom prst="rect">
+            <a:avLst/>
+          </a:prstGeom>
+          <a:noFill/>
+        </p:spPr>
+        <p:txBody>
+          <a:bodyPr wrap="square" rtlCol="0">
+            <a:spAutoFit/>
+          </a:bodyPr>
+          <a:lstStyle/>
           <a:p>
             <a:r>
               <a:rPr kumimoji="1" lang="ja-JP" altLang="en-US" dirty="0">
                 <a:effectLst>
-                  <a:glow rad="127000">
-                    <a:schemeClr val="bg1"/>
+                  <a:glow rad="139700">
+                    <a:schemeClr val="bg1">
+                      <a:alpha val="90000"/>
+                    </a:schemeClr>
                   </a:glow>
                 </a:effectLst>
                 <a:latin typeface="HGP創英角ｺﾞｼｯｸUB" panose="020B0900000000000000" pitchFamily="50" charset="-128"/>
                 <a:ea typeface="HGP創英角ｺﾞｼｯｸUB" panose="020B0900000000000000" pitchFamily="50" charset="-128"/>
               </a:rPr>
-              <a:t>敵を目玉焼きにして食べてしまえばスコアが加算！</a:t>
-            </a:r>
-            <a:endParaRPr kumimoji="1" lang="en-US" altLang="ja-JP" dirty="0">
-              <a:effectLst>
-                <a:glow rad="127000">
-                  <a:schemeClr val="bg1"/>
-                </a:glow>
-              </a:effectLst>
-              <a:latin typeface="HGP創英角ｺﾞｼｯｸUB" panose="020B0900000000000000" pitchFamily="50" charset="-128"/>
-              <a:ea typeface="HGP創英角ｺﾞｼｯｸUB" panose="020B0900000000000000" pitchFamily="50" charset="-128"/>
-            </a:endParaRPr>
-          </a:p>
+              <a:t>か</a:t>
+            </a:r>
+          </a:p>
+        </p:txBody>
+      </p:sp>
+      <p:pic>
+        <p:nvPicPr>
+          <p:cNvPr id="31" name="図 30">
+            <a:extLst>
+              <a:ext uri="{FF2B5EF4-FFF2-40B4-BE49-F238E27FC236}">
+                <a16:creationId xmlns:a16="http://schemas.microsoft.com/office/drawing/2014/main" id="{898747F5-251B-49B3-902F-015C10966D08}"/>
+              </a:ext>
+            </a:extLst>
+          </p:cNvPr>
+          <p:cNvPicPr>
+            <a:picLocks noChangeAspect="1"/>
+          </p:cNvPicPr>
+          <p:nvPr/>
+        </p:nvPicPr>
+        <p:blipFill>
+          <a:blip r:embed="rId9">
+            <a:extLst>
+              <a:ext uri="{28A0092B-C50C-407E-A947-70E740481C1C}">
+                <a14:useLocalDpi xmlns:a14="http://schemas.microsoft.com/office/drawing/2010/main" val="0"/>
+              </a:ext>
+            </a:extLst>
+          </a:blip>
+          <a:stretch>
+            <a:fillRect/>
+          </a:stretch>
+        </p:blipFill>
+        <p:spPr>
+          <a:xfrm rot="2822419">
+            <a:off x="6261583" y="1405222"/>
+            <a:ext cx="677245" cy="470267"/>
+          </a:xfrm>
+          <a:prstGeom prst="rect">
+            <a:avLst/>
+          </a:prstGeom>
+          <a:effectLst>
+            <a:glow rad="139700">
+              <a:srgbClr val="FFFF00"/>
+            </a:glow>
+          </a:effectLst>
+        </p:spPr>
+      </p:pic>
+      <p:sp>
+        <p:nvSpPr>
+          <p:cNvPr id="32" name="テキスト ボックス 31">
+            <a:extLst>
+              <a:ext uri="{FF2B5EF4-FFF2-40B4-BE49-F238E27FC236}">
+                <a16:creationId xmlns:a16="http://schemas.microsoft.com/office/drawing/2014/main" id="{19166912-2BE7-4683-9B42-6F37DAC5BE03}"/>
+              </a:ext>
+            </a:extLst>
+          </p:cNvPr>
+          <p:cNvSpPr txBox="1"/>
+          <p:nvPr/>
+        </p:nvSpPr>
+        <p:spPr>
+          <a:xfrm>
+            <a:off x="6875797" y="1372969"/>
+            <a:ext cx="2290193" cy="646331"/>
+          </a:xfrm>
+          <a:prstGeom prst="rect">
+            <a:avLst/>
+          </a:prstGeom>
+          <a:noFill/>
+        </p:spPr>
+        <p:txBody>
+          <a:bodyPr wrap="square" rtlCol="0">
+            <a:spAutoFit/>
+          </a:bodyPr>
+          <a:lstStyle/>
           <a:p>
             <a:r>
               <a:rPr kumimoji="1" lang="ja-JP" altLang="en-US" dirty="0">
                 <a:effectLst>
-                  <a:glow rad="127000">
-                    <a:schemeClr val="bg1"/>
+                  <a:glow rad="139700">
+                    <a:schemeClr val="bg1">
+                      <a:alpha val="90000"/>
+                    </a:schemeClr>
                   </a:glow>
                 </a:effectLst>
                 <a:latin typeface="HGP創英角ｺﾞｼｯｸUB" panose="020B0900000000000000" pitchFamily="50" charset="-128"/>
                 <a:ea typeface="HGP創英角ｺﾞｼｯｸUB" panose="020B0900000000000000" pitchFamily="50" charset="-128"/>
               </a:rPr>
-              <a:t>倒した敵は一定時間で復活するので注意しよう！</a:t>
+              <a:t>を持っているときだけ</a:t>
+            </a:r>
+            <a:br>
+              <a:rPr kumimoji="1" lang="en-US" altLang="ja-JP" dirty="0">
+                <a:effectLst>
+                  <a:glow rad="139700">
+                    <a:schemeClr val="bg1">
+                      <a:alpha val="90000"/>
+                    </a:schemeClr>
+                  </a:glow>
+                </a:effectLst>
+                <a:latin typeface="HGP創英角ｺﾞｼｯｸUB" panose="020B0900000000000000" pitchFamily="50" charset="-128"/>
+                <a:ea typeface="HGP創英角ｺﾞｼｯｸUB" panose="020B0900000000000000" pitchFamily="50" charset="-128"/>
+              </a:rPr>
+            </a:br>
+            <a:r>
+              <a:rPr kumimoji="1" lang="ja-JP" altLang="en-US" dirty="0">
+                <a:effectLst>
+                  <a:glow rad="139700">
+                    <a:schemeClr val="bg1">
+                      <a:alpha val="90000"/>
+                    </a:schemeClr>
+                  </a:glow>
+                </a:effectLst>
+                <a:latin typeface="HGP創英角ｺﾞｼｯｸUB" panose="020B0900000000000000" pitchFamily="50" charset="-128"/>
+                <a:ea typeface="HGP創英角ｺﾞｼｯｸUB" panose="020B0900000000000000" pitchFamily="50" charset="-128"/>
+              </a:rPr>
+              <a:t>出せるぞ！</a:t>
             </a:r>
           </a:p>
         </p:txBody>
@@ -5222,6 +5462,52 @@
           <a:chExt cx="0" cy="0"/>
         </a:xfrm>
       </p:grpSpPr>
+      <p:sp>
+        <p:nvSpPr>
+          <p:cNvPr id="11" name="四角形: 角を丸くする 10">
+            <a:extLst>
+              <a:ext uri="{FF2B5EF4-FFF2-40B4-BE49-F238E27FC236}">
+                <a16:creationId xmlns:a16="http://schemas.microsoft.com/office/drawing/2014/main" id="{BED87FA3-269A-4DE5-97EB-F3D8FC53E47A}"/>
+              </a:ext>
+            </a:extLst>
+          </p:cNvPr>
+          <p:cNvSpPr/>
+          <p:nvPr/>
+        </p:nvSpPr>
+        <p:spPr>
+          <a:xfrm>
+            <a:off x="2354434" y="97279"/>
+            <a:ext cx="7121310" cy="1271804"/>
+          </a:xfrm>
+          <a:prstGeom prst="roundRect">
+            <a:avLst/>
+          </a:prstGeom>
+        </p:spPr>
+        <p:style>
+          <a:lnRef idx="2">
+            <a:schemeClr val="accent1">
+              <a:shade val="50000"/>
+            </a:schemeClr>
+          </a:lnRef>
+          <a:fillRef idx="1">
+            <a:schemeClr val="accent1"/>
+          </a:fillRef>
+          <a:effectRef idx="0">
+            <a:schemeClr val="accent1"/>
+          </a:effectRef>
+          <a:fontRef idx="minor">
+            <a:schemeClr val="lt1"/>
+          </a:fontRef>
+        </p:style>
+        <p:txBody>
+          <a:bodyPr rtlCol="0" anchor="ctr"/>
+          <a:lstStyle/>
+          <a:p>
+            <a:pPr algn="ctr"/>
+            <a:endParaRPr kumimoji="1" lang="ja-JP" altLang="en-US" dirty="0"/>
+          </a:p>
+        </p:txBody>
+      </p:sp>
       <p:sp>
         <p:nvSpPr>
           <p:cNvPr id="5" name="正方形/長方形 4">

--- a/99_pranning/操作説明書.pptx
+++ b/99_pranning/操作説明書.pptx
@@ -198,7 +198,7 @@
           <a:p>
             <a:fld id="{FC028F58-CADC-4364-9B3C-22A5C82DAE34}" type="datetimeFigureOut">
               <a:rPr kumimoji="1" lang="ja-JP" altLang="en-US" smtClean="0"/>
-              <a:t>2025/1/23</a:t>
+              <a:t>2025/1/27</a:t>
             </a:fld>
             <a:endParaRPr kumimoji="1" lang="ja-JP" altLang="en-US"/>
           </a:p>
@@ -712,7 +712,7 @@
           <a:p>
             <a:fld id="{1C50CC2C-565E-4CEC-8E2B-7BC9045D7333}" type="datetimeFigureOut">
               <a:rPr kumimoji="1" lang="ja-JP" altLang="en-US" smtClean="0"/>
-              <a:t>2025/1/23</a:t>
+              <a:t>2025/1/27</a:t>
             </a:fld>
             <a:endParaRPr kumimoji="1" lang="ja-JP" altLang="en-US"/>
           </a:p>
@@ -914,7 +914,7 @@
           <a:p>
             <a:fld id="{1C50CC2C-565E-4CEC-8E2B-7BC9045D7333}" type="datetimeFigureOut">
               <a:rPr kumimoji="1" lang="ja-JP" altLang="en-US" smtClean="0"/>
-              <a:t>2025/1/23</a:t>
+              <a:t>2025/1/27</a:t>
             </a:fld>
             <a:endParaRPr kumimoji="1" lang="ja-JP" altLang="en-US"/>
           </a:p>
@@ -1126,7 +1126,7 @@
           <a:p>
             <a:fld id="{1C50CC2C-565E-4CEC-8E2B-7BC9045D7333}" type="datetimeFigureOut">
               <a:rPr kumimoji="1" lang="ja-JP" altLang="en-US" smtClean="0"/>
-              <a:t>2025/1/23</a:t>
+              <a:t>2025/1/27</a:t>
             </a:fld>
             <a:endParaRPr kumimoji="1" lang="ja-JP" altLang="en-US"/>
           </a:p>
@@ -1328,7 +1328,7 @@
           <a:p>
             <a:fld id="{1C50CC2C-565E-4CEC-8E2B-7BC9045D7333}" type="datetimeFigureOut">
               <a:rPr kumimoji="1" lang="ja-JP" altLang="en-US" smtClean="0"/>
-              <a:t>2025/1/23</a:t>
+              <a:t>2025/1/27</a:t>
             </a:fld>
             <a:endParaRPr kumimoji="1" lang="ja-JP" altLang="en-US"/>
           </a:p>
@@ -1574,7 +1574,7 @@
           <a:p>
             <a:fld id="{1C50CC2C-565E-4CEC-8E2B-7BC9045D7333}" type="datetimeFigureOut">
               <a:rPr kumimoji="1" lang="ja-JP" altLang="en-US" smtClean="0"/>
-              <a:t>2025/1/23</a:t>
+              <a:t>2025/1/27</a:t>
             </a:fld>
             <a:endParaRPr kumimoji="1" lang="ja-JP" altLang="en-US"/>
           </a:p>
@@ -1870,7 +1870,7 @@
           <a:p>
             <a:fld id="{1C50CC2C-565E-4CEC-8E2B-7BC9045D7333}" type="datetimeFigureOut">
               <a:rPr kumimoji="1" lang="ja-JP" altLang="en-US" smtClean="0"/>
-              <a:t>2025/1/23</a:t>
+              <a:t>2025/1/27</a:t>
             </a:fld>
             <a:endParaRPr kumimoji="1" lang="ja-JP" altLang="en-US"/>
           </a:p>
@@ -2301,7 +2301,7 @@
           <a:p>
             <a:fld id="{1C50CC2C-565E-4CEC-8E2B-7BC9045D7333}" type="datetimeFigureOut">
               <a:rPr kumimoji="1" lang="ja-JP" altLang="en-US" smtClean="0"/>
-              <a:t>2025/1/23</a:t>
+              <a:t>2025/1/27</a:t>
             </a:fld>
             <a:endParaRPr kumimoji="1" lang="ja-JP" altLang="en-US"/>
           </a:p>
@@ -2419,7 +2419,7 @@
           <a:p>
             <a:fld id="{1C50CC2C-565E-4CEC-8E2B-7BC9045D7333}" type="datetimeFigureOut">
               <a:rPr kumimoji="1" lang="ja-JP" altLang="en-US" smtClean="0"/>
-              <a:t>2025/1/23</a:t>
+              <a:t>2025/1/27</a:t>
             </a:fld>
             <a:endParaRPr kumimoji="1" lang="ja-JP" altLang="en-US"/>
           </a:p>
@@ -2514,7 +2514,7 @@
           <a:p>
             <a:fld id="{1C50CC2C-565E-4CEC-8E2B-7BC9045D7333}" type="datetimeFigureOut">
               <a:rPr kumimoji="1" lang="ja-JP" altLang="en-US" smtClean="0"/>
-              <a:t>2025/1/23</a:t>
+              <a:t>2025/1/27</a:t>
             </a:fld>
             <a:endParaRPr kumimoji="1" lang="ja-JP" altLang="en-US"/>
           </a:p>
@@ -2823,7 +2823,7 @@
           <a:p>
             <a:fld id="{1C50CC2C-565E-4CEC-8E2B-7BC9045D7333}" type="datetimeFigureOut">
               <a:rPr kumimoji="1" lang="ja-JP" altLang="en-US" smtClean="0"/>
-              <a:t>2025/1/23</a:t>
+              <a:t>2025/1/27</a:t>
             </a:fld>
             <a:endParaRPr kumimoji="1" lang="ja-JP" altLang="en-US"/>
           </a:p>
@@ -3080,7 +3080,7 @@
           <a:p>
             <a:fld id="{1C50CC2C-565E-4CEC-8E2B-7BC9045D7333}" type="datetimeFigureOut">
               <a:rPr kumimoji="1" lang="ja-JP" altLang="en-US" smtClean="0"/>
-              <a:t>2025/1/23</a:t>
+              <a:t>2025/1/27</a:t>
             </a:fld>
             <a:endParaRPr kumimoji="1" lang="ja-JP" altLang="en-US"/>
           </a:p>
@@ -3325,7 +3325,7 @@
           <a:p>
             <a:fld id="{1C50CC2C-565E-4CEC-8E2B-7BC9045D7333}" type="datetimeFigureOut">
               <a:rPr kumimoji="1" lang="ja-JP" altLang="en-US" smtClean="0"/>
-              <a:t>2025/1/23</a:t>
+              <a:t>2025/1/27</a:t>
             </a:fld>
             <a:endParaRPr kumimoji="1" lang="ja-JP" altLang="en-US"/>
           </a:p>
@@ -4211,7 +4211,7 @@
             <a:avLst/>
           </a:prstGeom>
           <a:solidFill>
-            <a:schemeClr val="tx1"/>
+            <a:schemeClr val="accent2"/>
           </a:solidFill>
           <a:ln w="50800">
             <a:solidFill>
@@ -4277,14 +4277,14 @@
         </p:nvSpPr>
         <p:spPr>
           <a:xfrm>
-            <a:off x="5781294" y="3559302"/>
-            <a:ext cx="347472" cy="1606296"/>
+            <a:off x="5781294" y="3533055"/>
+            <a:ext cx="347472" cy="1632543"/>
           </a:xfrm>
           <a:prstGeom prst="upArrow">
             <a:avLst/>
           </a:prstGeom>
           <a:solidFill>
-            <a:schemeClr val="accent2"/>
+            <a:schemeClr val="accent6"/>
           </a:solidFill>
         </p:spPr>
         <p:style>
@@ -4333,7 +4333,7 @@
             <a:avLst/>
           </a:prstGeom>
           <a:solidFill>
-            <a:schemeClr val="tx1"/>
+            <a:schemeClr val="accent6"/>
           </a:solidFill>
           <a:ln w="50800">
             <a:solidFill>
@@ -4487,6 +4487,9 @@
           <a:p>
             <a:r>
               <a:rPr kumimoji="1" lang="ja-JP" altLang="en-US" sz="2800" dirty="0">
+                <a:solidFill>
+                  <a:schemeClr val="bg1"/>
+                </a:solidFill>
                 <a:effectLst>
                   <a:glow rad="101600">
                     <a:schemeClr val="accent2">
@@ -4501,6 +4504,9 @@
               <a:t>移動</a:t>
             </a:r>
             <a:endParaRPr kumimoji="1" lang="en-US" altLang="ja-JP" sz="2800" dirty="0">
+              <a:solidFill>
+                <a:schemeClr val="bg1"/>
+              </a:solidFill>
               <a:effectLst>
                 <a:glow rad="101600">
                   <a:schemeClr val="accent2">
@@ -4890,7 +4896,7 @@
             </a:avLst>
           </a:prstGeom>
           <a:solidFill>
-            <a:schemeClr val="accent2"/>
+            <a:srgbClr val="FF0000"/>
           </a:solidFill>
         </p:spPr>
         <p:style>
@@ -4939,7 +4945,7 @@
             <a:avLst/>
           </a:prstGeom>
           <a:solidFill>
-            <a:schemeClr val="tx1"/>
+            <a:srgbClr val="FF0000"/>
           </a:solidFill>
           <a:ln w="50800">
             <a:solidFill>
@@ -5050,6 +5056,9 @@
           <a:p>
             <a:r>
               <a:rPr kumimoji="1" lang="ja-JP" altLang="en-US" sz="2800" dirty="0">
+                <a:solidFill>
+                  <a:schemeClr val="bg1"/>
+                </a:solidFill>
                 <a:effectLst>
                   <a:glow rad="127000">
                     <a:srgbClr val="FF0000">
@@ -5063,6 +5072,9 @@
               <a:t>攻撃</a:t>
             </a:r>
             <a:endParaRPr kumimoji="1" lang="en-US" altLang="ja-JP" sz="2800" dirty="0">
+              <a:solidFill>
+                <a:schemeClr val="bg1"/>
+              </a:solidFill>
               <a:effectLst>
                 <a:glow rad="127000">
                   <a:srgbClr val="FF0000">
@@ -5188,7 +5200,7 @@
           <a:noFill/>
           <a:ln w="76200">
             <a:solidFill>
-              <a:schemeClr val="accent2"/>
+              <a:srgbClr val="FF0000"/>
             </a:solidFill>
           </a:ln>
         </p:spPr>
@@ -5415,6 +5427,58 @@
               </a:rPr>
               <a:t>出せるぞ！</a:t>
             </a:r>
+          </a:p>
+        </p:txBody>
+      </p:sp>
+      <p:sp>
+        <p:nvSpPr>
+          <p:cNvPr id="33" name="楕円 32">
+            <a:extLst>
+              <a:ext uri="{FF2B5EF4-FFF2-40B4-BE49-F238E27FC236}">
+                <a16:creationId xmlns:a16="http://schemas.microsoft.com/office/drawing/2014/main" id="{06A003CC-D812-4ED8-B826-7FFB84D6ADC0}"/>
+              </a:ext>
+            </a:extLst>
+          </p:cNvPr>
+          <p:cNvSpPr/>
+          <p:nvPr/>
+        </p:nvSpPr>
+        <p:spPr>
+          <a:xfrm>
+            <a:off x="5826047" y="3153265"/>
+            <a:ext cx="257966" cy="323624"/>
+          </a:xfrm>
+          <a:prstGeom prst="ellipse">
+            <a:avLst/>
+          </a:prstGeom>
+          <a:noFill/>
+          <a:ln w="76200">
+            <a:solidFill>
+              <a:schemeClr val="accent6"/>
+            </a:solidFill>
+          </a:ln>
+        </p:spPr>
+        <p:style>
+          <a:lnRef idx="2">
+            <a:schemeClr val="accent1">
+              <a:shade val="50000"/>
+            </a:schemeClr>
+          </a:lnRef>
+          <a:fillRef idx="1">
+            <a:schemeClr val="accent1"/>
+          </a:fillRef>
+          <a:effectRef idx="0">
+            <a:schemeClr val="accent1"/>
+          </a:effectRef>
+          <a:fontRef idx="minor">
+            <a:schemeClr val="lt1"/>
+          </a:fontRef>
+        </p:style>
+        <p:txBody>
+          <a:bodyPr rtlCol="0" anchor="ctr"/>
+          <a:lstStyle/>
+          <a:p>
+            <a:pPr algn="ctr"/>
+            <a:endParaRPr kumimoji="1" lang="ja-JP" altLang="en-US"/>
           </a:p>
         </p:txBody>
       </p:sp>
@@ -5482,6 +5546,12 @@
           <a:prstGeom prst="roundRect">
             <a:avLst/>
           </a:prstGeom>
+          <a:solidFill>
+            <a:schemeClr val="accent1">
+              <a:lumMod val="40000"/>
+              <a:lumOff val="60000"/>
+            </a:schemeClr>
+          </a:solidFill>
         </p:spPr>
         <p:style>
           <a:lnRef idx="2">
@@ -6722,9 +6792,9 @@
         <p:grpSpPr>
           <a:xfrm>
             <a:off x="906517" y="3803807"/>
-            <a:ext cx="1447917" cy="766449"/>
-            <a:chOff x="842377" y="3760902"/>
-            <a:chExt cx="1686862" cy="809354"/>
+            <a:ext cx="1447916" cy="766450"/>
+            <a:chOff x="842378" y="3760901"/>
+            <a:chExt cx="1686861" cy="809355"/>
           </a:xfrm>
         </p:grpSpPr>
         <p:pic>
@@ -6755,8 +6825,8 @@
           </p:blipFill>
           <p:spPr>
             <a:xfrm>
-              <a:off x="842377" y="3760902"/>
-              <a:ext cx="706517" cy="755103"/>
+              <a:off x="842378" y="3760901"/>
+              <a:ext cx="706515" cy="755103"/>
             </a:xfrm>
             <a:prstGeom prst="rect">
               <a:avLst/>
@@ -7144,6 +7214,300 @@
                 </a:solidFill>
               </a:rPr>
               <a:t>肉を食べれる</a:t>
+            </a:r>
+          </a:p>
+        </p:txBody>
+      </p:sp>
+      <p:pic>
+        <p:nvPicPr>
+          <p:cNvPr id="44" name="図 43">
+            <a:extLst>
+              <a:ext uri="{FF2B5EF4-FFF2-40B4-BE49-F238E27FC236}">
+                <a16:creationId xmlns:a16="http://schemas.microsoft.com/office/drawing/2014/main" id="{9BA0270A-6361-4469-A3CB-37352FC9290F}"/>
+              </a:ext>
+            </a:extLst>
+          </p:cNvPr>
+          <p:cNvPicPr>
+            <a:picLocks noChangeAspect="1"/>
+          </p:cNvPicPr>
+          <p:nvPr/>
+        </p:nvPicPr>
+        <p:blipFill>
+          <a:blip r:embed="rId9">
+            <a:extLst>
+              <a:ext uri="{28A0092B-C50C-407E-A947-70E740481C1C}">
+                <a14:useLocalDpi xmlns:a14="http://schemas.microsoft.com/office/drawing/2010/main" val="0"/>
+              </a:ext>
+            </a:extLst>
+          </a:blip>
+          <a:stretch>
+            <a:fillRect/>
+          </a:stretch>
+        </p:blipFill>
+        <p:spPr>
+          <a:xfrm>
+            <a:off x="2714815" y="486035"/>
+            <a:ext cx="564649" cy="665800"/>
+          </a:xfrm>
+          <a:prstGeom prst="rect">
+            <a:avLst/>
+          </a:prstGeom>
+          <a:ln>
+            <a:noFill/>
+          </a:ln>
+          <a:effectLst>
+            <a:glow rad="101600">
+              <a:srgbClr val="FF0000"/>
+            </a:glow>
+          </a:effectLst>
+        </p:spPr>
+      </p:pic>
+      <p:pic>
+        <p:nvPicPr>
+          <p:cNvPr id="15" name="図 14">
+            <a:extLst>
+              <a:ext uri="{FF2B5EF4-FFF2-40B4-BE49-F238E27FC236}">
+                <a16:creationId xmlns:a16="http://schemas.microsoft.com/office/drawing/2014/main" id="{498EF917-D544-45BD-80D3-4402C652F040}"/>
+              </a:ext>
+            </a:extLst>
+          </p:cNvPr>
+          <p:cNvPicPr>
+            <a:picLocks noChangeAspect="1"/>
+          </p:cNvPicPr>
+          <p:nvPr/>
+        </p:nvPicPr>
+        <p:blipFill>
+          <a:blip r:embed="rId12">
+            <a:extLst>
+              <a:ext uri="{28A0092B-C50C-407E-A947-70E740481C1C}">
+                <a14:useLocalDpi xmlns:a14="http://schemas.microsoft.com/office/drawing/2010/main" val="0"/>
+              </a:ext>
+            </a:extLst>
+          </a:blip>
+          <a:stretch>
+            <a:fillRect/>
+          </a:stretch>
+        </p:blipFill>
+        <p:spPr>
+          <a:xfrm>
+            <a:off x="5793405" y="440747"/>
+            <a:ext cx="984755" cy="863657"/>
+          </a:xfrm>
+          <a:prstGeom prst="rect">
+            <a:avLst/>
+          </a:prstGeom>
+          <a:effectLst>
+            <a:glow rad="101600">
+              <a:schemeClr val="accent2">
+                <a:lumMod val="60000"/>
+                <a:lumOff val="40000"/>
+              </a:schemeClr>
+            </a:glow>
+          </a:effectLst>
+        </p:spPr>
+      </p:pic>
+      <p:sp>
+        <p:nvSpPr>
+          <p:cNvPr id="18" name="テキスト ボックス 17">
+            <a:extLst>
+              <a:ext uri="{FF2B5EF4-FFF2-40B4-BE49-F238E27FC236}">
+                <a16:creationId xmlns:a16="http://schemas.microsoft.com/office/drawing/2014/main" id="{BB9C2453-5ECD-4B01-BCA4-18405EBBE41A}"/>
+              </a:ext>
+            </a:extLst>
+          </p:cNvPr>
+          <p:cNvSpPr txBox="1"/>
+          <p:nvPr/>
+        </p:nvSpPr>
+        <p:spPr>
+          <a:xfrm>
+            <a:off x="3484287" y="673257"/>
+            <a:ext cx="2104295" cy="400110"/>
+          </a:xfrm>
+          <a:prstGeom prst="rect">
+            <a:avLst/>
+          </a:prstGeom>
+          <a:noFill/>
+        </p:spPr>
+        <p:txBody>
+          <a:bodyPr wrap="square" rtlCol="0">
+            <a:spAutoFit/>
+          </a:bodyPr>
+          <a:lstStyle/>
+          <a:p>
+            <a:r>
+              <a:rPr kumimoji="1" lang="ja-JP" altLang="en-US" sz="2000" b="1" dirty="0">
+                <a:solidFill>
+                  <a:schemeClr val="bg1"/>
+                </a:solidFill>
+                <a:effectLst>
+                  <a:glow rad="101600">
+                    <a:srgbClr val="FF0000"/>
+                  </a:glow>
+                </a:effectLst>
+              </a:rPr>
+              <a:t>敵につかまるな</a:t>
+            </a:r>
+            <a:r>
+              <a:rPr kumimoji="1" lang="en-US" altLang="ja-JP" sz="2000" b="1" dirty="0">
+                <a:solidFill>
+                  <a:schemeClr val="bg1"/>
+                </a:solidFill>
+                <a:effectLst>
+                  <a:glow rad="101600">
+                    <a:srgbClr val="FF0000"/>
+                  </a:glow>
+                </a:effectLst>
+              </a:rPr>
+              <a:t>!</a:t>
+            </a:r>
+          </a:p>
+        </p:txBody>
+      </p:sp>
+      <p:sp>
+        <p:nvSpPr>
+          <p:cNvPr id="45" name="テキスト ボックス 44">
+            <a:extLst>
+              <a:ext uri="{FF2B5EF4-FFF2-40B4-BE49-F238E27FC236}">
+                <a16:creationId xmlns:a16="http://schemas.microsoft.com/office/drawing/2014/main" id="{A822F150-38C8-4A39-8955-CDF3590BAD15}"/>
+              </a:ext>
+            </a:extLst>
+          </p:cNvPr>
+          <p:cNvSpPr txBox="1"/>
+          <p:nvPr/>
+        </p:nvSpPr>
+        <p:spPr>
+          <a:xfrm>
+            <a:off x="6659034" y="570578"/>
+            <a:ext cx="2495636" cy="707886"/>
+          </a:xfrm>
+          <a:prstGeom prst="rect">
+            <a:avLst/>
+          </a:prstGeom>
+          <a:noFill/>
+        </p:spPr>
+        <p:txBody>
+          <a:bodyPr wrap="square" rtlCol="0">
+            <a:spAutoFit/>
+          </a:bodyPr>
+          <a:lstStyle/>
+          <a:p>
+            <a:r>
+              <a:rPr kumimoji="1" lang="ja-JP" altLang="en-US" sz="2000" b="1" dirty="0">
+                <a:effectLst>
+                  <a:glow rad="101600">
+                    <a:schemeClr val="accent2">
+                      <a:lumMod val="40000"/>
+                      <a:lumOff val="60000"/>
+                    </a:schemeClr>
+                  </a:glow>
+                </a:effectLst>
+              </a:rPr>
+              <a:t>転がる岩やブロック</a:t>
+            </a:r>
+            <a:br>
+              <a:rPr kumimoji="1" lang="en-US" altLang="ja-JP" sz="2000" b="1" dirty="0">
+                <a:effectLst>
+                  <a:glow rad="101600">
+                    <a:schemeClr val="accent2">
+                      <a:lumMod val="40000"/>
+                      <a:lumOff val="60000"/>
+                    </a:schemeClr>
+                  </a:glow>
+                </a:effectLst>
+              </a:rPr>
+            </a:br>
+            <a:r>
+              <a:rPr kumimoji="1" lang="ja-JP" altLang="en-US" sz="2000" b="1" dirty="0">
+                <a:effectLst>
+                  <a:glow rad="101600">
+                    <a:schemeClr val="accent2">
+                      <a:lumMod val="40000"/>
+                      <a:lumOff val="60000"/>
+                    </a:schemeClr>
+                  </a:glow>
+                </a:effectLst>
+              </a:rPr>
+              <a:t>に注意</a:t>
+            </a:r>
+            <a:endParaRPr kumimoji="1" lang="en-US" altLang="ja-JP" sz="2000" b="1" dirty="0">
+              <a:effectLst>
+                <a:glow rad="101600">
+                  <a:schemeClr val="accent2">
+                    <a:lumMod val="40000"/>
+                    <a:lumOff val="60000"/>
+                  </a:schemeClr>
+                </a:glow>
+              </a:effectLst>
+            </a:endParaRPr>
+          </a:p>
+        </p:txBody>
+      </p:sp>
+      <p:sp>
+        <p:nvSpPr>
+          <p:cNvPr id="26" name="テキスト ボックス 25">
+            <a:extLst>
+              <a:ext uri="{FF2B5EF4-FFF2-40B4-BE49-F238E27FC236}">
+                <a16:creationId xmlns:a16="http://schemas.microsoft.com/office/drawing/2014/main" id="{39D80AFD-FBFF-4E3C-85DF-49FB51A9B217}"/>
+              </a:ext>
+            </a:extLst>
+          </p:cNvPr>
+          <p:cNvSpPr txBox="1"/>
+          <p:nvPr/>
+        </p:nvSpPr>
+        <p:spPr>
+          <a:xfrm>
+            <a:off x="4781733" y="55068"/>
+            <a:ext cx="2023343" cy="646331"/>
+          </a:xfrm>
+          <a:prstGeom prst="rect">
+            <a:avLst/>
+          </a:prstGeom>
+          <a:noFill/>
+        </p:spPr>
+        <p:txBody>
+          <a:bodyPr wrap="square" rtlCol="0">
+            <a:spAutoFit/>
+          </a:bodyPr>
+          <a:lstStyle/>
+          <a:p>
+            <a:pPr algn="ctr"/>
+            <a:r>
+              <a:rPr kumimoji="1" lang="en-US" altLang="ja-JP" sz="3600" b="1" i="1" dirty="0">
+                <a:ln w="25400">
+                  <a:solidFill>
+                    <a:srgbClr val="FF0000"/>
+                  </a:solidFill>
+                </a:ln>
+                <a:solidFill>
+                  <a:schemeClr val="bg1"/>
+                </a:solidFill>
+                <a:effectLst>
+                  <a:glow rad="101600">
+                    <a:srgbClr val="FFFF00"/>
+                  </a:glow>
+                </a:effectLst>
+                <a:latin typeface="+mn-ea"/>
+              </a:rPr>
+              <a:t>MISS</a:t>
+            </a:r>
+            <a:r>
+              <a:rPr kumimoji="1" lang="ja-JP" altLang="en-US" sz="3600" b="1" i="1" dirty="0">
+                <a:ln w="25400">
+                  <a:solidFill>
+                    <a:srgbClr val="FF0000"/>
+                  </a:solidFill>
+                </a:ln>
+                <a:solidFill>
+                  <a:schemeClr val="bg1"/>
+                </a:solidFill>
+                <a:effectLst>
+                  <a:glow rad="101600">
+                    <a:srgbClr val="FFFF00"/>
+                  </a:glow>
+                </a:effectLst>
+                <a:latin typeface="+mn-ea"/>
+              </a:rPr>
+              <a:t>！</a:t>
             </a:r>
           </a:p>
         </p:txBody>
